--- a/The Pursuit of Happiness.pptx
+++ b/The Pursuit of Happiness.pptx
@@ -16,13 +16,16 @@
     <p:sldId id="264" r:id="rId10"/>
     <p:sldId id="265" r:id="rId11"/>
     <p:sldId id="266" r:id="rId12"/>
-    <p:sldId id="267" r:id="rId13"/>
-    <p:sldId id="268" r:id="rId14"/>
-    <p:sldId id="269" r:id="rId15"/>
-    <p:sldId id="270" r:id="rId16"/>
-    <p:sldId id="271" r:id="rId17"/>
-    <p:sldId id="272" r:id="rId18"/>
-    <p:sldId id="273" r:id="rId19"/>
+    <p:sldId id="274" r:id="rId13"/>
+    <p:sldId id="269" r:id="rId14"/>
+    <p:sldId id="267" r:id="rId15"/>
+    <p:sldId id="268" r:id="rId16"/>
+    <p:sldId id="275" r:id="rId17"/>
+    <p:sldId id="270" r:id="rId18"/>
+    <p:sldId id="271" r:id="rId19"/>
+    <p:sldId id="272" r:id="rId20"/>
+    <p:sldId id="273" r:id="rId21"/>
+    <p:sldId id="276" r:id="rId22"/>
   </p:sldIdLst>
   <p:sldSz cx="9144000" cy="6858000" type="screen4x3"/>
   <p:notesSz cx="6858000" cy="9144000"/>
@@ -2881,7 +2884,7 @@
           <a:p>
             <a:fld id="{F8F64D85-06CC-4EA6-9354-0BBAB41DE41B}" type="datetimeFigureOut">
               <a:rPr lang="en-US" smtClean="0"/>
-              <a:t>2/27/2025</a:t>
+              <a:t>3/1/2025</a:t>
             </a:fld>
             <a:endParaRPr lang="en-US"/>
           </a:p>
@@ -3166,7 +3169,7 @@
           <a:p>
             <a:fld id="{F8F64D85-06CC-4EA6-9354-0BBAB41DE41B}" type="datetimeFigureOut">
               <a:rPr lang="en-US" smtClean="0"/>
-              <a:t>2/27/2025</a:t>
+              <a:t>3/1/2025</a:t>
             </a:fld>
             <a:endParaRPr lang="en-US"/>
           </a:p>
@@ -3341,7 +3344,7 @@
           <a:p>
             <a:fld id="{F8F64D85-06CC-4EA6-9354-0BBAB41DE41B}" type="datetimeFigureOut">
               <a:rPr lang="en-US" smtClean="0"/>
-              <a:t>2/27/2025</a:t>
+              <a:t>3/1/2025</a:t>
             </a:fld>
             <a:endParaRPr lang="en-US"/>
           </a:p>
@@ -3506,7 +3509,7 @@
           <a:p>
             <a:fld id="{F8F64D85-06CC-4EA6-9354-0BBAB41DE41B}" type="datetimeFigureOut">
               <a:rPr lang="en-US" smtClean="0"/>
-              <a:t>2/27/2025</a:t>
+              <a:t>3/1/2025</a:t>
             </a:fld>
             <a:endParaRPr lang="en-US"/>
           </a:p>
@@ -3747,7 +3750,7 @@
           <a:p>
             <a:fld id="{F8F64D85-06CC-4EA6-9354-0BBAB41DE41B}" type="datetimeFigureOut">
               <a:rPr lang="en-US" smtClean="0"/>
-              <a:t>2/27/2025</a:t>
+              <a:t>3/1/2025</a:t>
             </a:fld>
             <a:endParaRPr lang="en-US"/>
           </a:p>
@@ -3860,7 +3863,7 @@
           <a:p>
             <a:fld id="{F8F64D85-06CC-4EA6-9354-0BBAB41DE41B}" type="datetimeFigureOut">
               <a:rPr lang="en-US" smtClean="0"/>
-              <a:t>2/27/2025</a:t>
+              <a:t>3/1/2025</a:t>
             </a:fld>
             <a:endParaRPr lang="en-US"/>
           </a:p>
@@ -4399,7 +4402,7 @@
           <a:p>
             <a:fld id="{F8F64D85-06CC-4EA6-9354-0BBAB41DE41B}" type="datetimeFigureOut">
               <a:rPr lang="en-US" smtClean="0"/>
-              <a:t>2/27/2025</a:t>
+              <a:t>3/1/2025</a:t>
             </a:fld>
             <a:endParaRPr lang="en-US"/>
           </a:p>
@@ -4512,7 +4515,7 @@
           <a:p>
             <a:fld id="{F8F64D85-06CC-4EA6-9354-0BBAB41DE41B}" type="datetimeFigureOut">
               <a:rPr lang="en-US" smtClean="0"/>
-              <a:t>2/27/2025</a:t>
+              <a:t>3/1/2025</a:t>
             </a:fld>
             <a:endParaRPr lang="en-US"/>
           </a:p>
@@ -4602,7 +4605,7 @@
           <a:p>
             <a:fld id="{F8F64D85-06CC-4EA6-9354-0BBAB41DE41B}" type="datetimeFigureOut">
               <a:rPr lang="en-US" smtClean="0"/>
-              <a:t>2/27/2025</a:t>
+              <a:t>3/1/2025</a:t>
             </a:fld>
             <a:endParaRPr lang="en-US"/>
           </a:p>
@@ -7253,7 +7256,7 @@
           <a:p>
             <a:fld id="{F8F64D85-06CC-4EA6-9354-0BBAB41DE41B}" type="datetimeFigureOut">
               <a:rPr lang="en-US" smtClean="0"/>
-              <a:t>2/27/2025</a:t>
+              <a:t>3/1/2025</a:t>
             </a:fld>
             <a:endParaRPr lang="en-US"/>
           </a:p>
@@ -10465,7 +10468,7 @@
           <a:p>
             <a:fld id="{F8F64D85-06CC-4EA6-9354-0BBAB41DE41B}" type="datetimeFigureOut">
               <a:rPr lang="en-US" smtClean="0"/>
-              <a:t>2/27/2025</a:t>
+              <a:t>3/1/2025</a:t>
             </a:fld>
             <a:endParaRPr lang="en-US"/>
           </a:p>
@@ -13287,7 +13290,7 @@
           <a:p>
             <a:fld id="{F8F64D85-06CC-4EA6-9354-0BBAB41DE41B}" type="datetimeFigureOut">
               <a:rPr lang="en-US" smtClean="0"/>
-              <a:t>2/27/2025</a:t>
+              <a:t>3/1/2025</a:t>
             </a:fld>
             <a:endParaRPr lang="en-US"/>
           </a:p>
@@ -13793,15 +13796,7 @@
           <a:p>
             <a:r>
               <a:rPr lang="en-US" dirty="0" smtClean="0"/>
-              <a:t>DSC </a:t>
-            </a:r>
-            <a:r>
-              <a:rPr lang="en-US" dirty="0" smtClean="0"/>
-              <a:t>530</a:t>
-            </a:r>
-            <a:r>
-              <a:rPr lang="en-US" dirty="0" smtClean="0"/>
-              <a:t/>
+              <a:t>DSC 530</a:t>
             </a:r>
             <a:br>
               <a:rPr lang="en-US" dirty="0" smtClean="0"/>
@@ -13879,9 +13874,183 @@
           </a:p>
         </p:txBody>
       </p:sp>
+      <p:sp>
+        <p:nvSpPr>
+          <p:cNvPr id="4" name="TextBox 3"/>
+          <p:cNvSpPr txBox="1"/>
+          <p:nvPr/>
+        </p:nvSpPr>
+        <p:spPr>
+          <a:xfrm>
+            <a:off x="5562600" y="2209799"/>
+            <a:ext cx="2590800" cy="2585323"/>
+          </a:xfrm>
+          <a:prstGeom prst="rect">
+            <a:avLst/>
+          </a:prstGeom>
+          <a:noFill/>
+        </p:spPr>
+        <p:txBody>
+          <a:bodyPr wrap="square" rtlCol="0">
+            <a:spAutoFit/>
+          </a:bodyPr>
+          <a:lstStyle/>
+          <a:p>
+            <a:r>
+              <a:rPr lang="en-US" dirty="0" smtClean="0"/>
+              <a:t>Faith-correlates are all over the map, but unlike the others, while the mean has stayed constant over the past four years, the mode has dropped from </a:t>
+            </a:r>
+            <a:r>
+              <a:rPr lang="en-US" dirty="0"/>
+              <a:t>8</a:t>
+            </a:r>
+            <a:r>
+              <a:rPr lang="en-US" dirty="0" smtClean="0"/>
+              <a:t> </a:t>
+            </a:r>
+            <a:r>
+              <a:rPr lang="en-US" dirty="0" smtClean="0"/>
+              <a:t>to </a:t>
+            </a:r>
+            <a:r>
+              <a:rPr lang="en-US" dirty="0" smtClean="0"/>
+              <a:t>5 </a:t>
+            </a:r>
+            <a:r>
+              <a:rPr lang="en-US" dirty="0" smtClean="0"/>
+              <a:t>during that </a:t>
+            </a:r>
+            <a:r>
+              <a:rPr lang="en-US" dirty="0" smtClean="0"/>
+              <a:t>period.</a:t>
+            </a:r>
+            <a:endParaRPr lang="en-US" dirty="0"/>
+          </a:p>
+        </p:txBody>
+      </p:sp>
+      <p:sp>
+        <p:nvSpPr>
+          <p:cNvPr id="5" name="TextBox 4"/>
+          <p:cNvSpPr txBox="1"/>
+          <p:nvPr/>
+        </p:nvSpPr>
+        <p:spPr>
+          <a:xfrm>
+            <a:off x="1524000" y="4953511"/>
+            <a:ext cx="6034024" cy="954107"/>
+          </a:xfrm>
+          <a:prstGeom prst="rect">
+            <a:avLst/>
+          </a:prstGeom>
+          <a:noFill/>
+        </p:spPr>
+        <p:txBody>
+          <a:bodyPr wrap="none" rtlCol="0">
+            <a:spAutoFit/>
+          </a:bodyPr>
+          <a:lstStyle/>
+          <a:p>
+            <a:r>
+              <a:rPr lang="en-US" sz="800" dirty="0"/>
+              <a:t>key	n	mean	mode	</a:t>
+            </a:r>
+            <a:r>
+              <a:rPr lang="en-US" sz="800" dirty="0" err="1"/>
+              <a:t>var</a:t>
+            </a:r>
+            <a:r>
+              <a:rPr lang="en-US" sz="800" dirty="0"/>
+              <a:t>	</a:t>
+            </a:r>
+            <a:r>
+              <a:rPr lang="en-US" sz="800" dirty="0" err="1"/>
+              <a:t>std</a:t>
+            </a:r>
+            <a:r>
+              <a:rPr lang="en-US" sz="800" dirty="0"/>
+              <a:t>	cv</a:t>
+            </a:r>
+          </a:p>
+          <a:p>
+            <a:r>
+              <a:rPr lang="en-US" sz="800" dirty="0"/>
+              <a:t>All </a:t>
+            </a:r>
+            <a:r>
+              <a:rPr lang="en-US" sz="800" dirty="0" err="1"/>
+              <a:t>Yrs</a:t>
+            </a:r>
+            <a:r>
+              <a:rPr lang="en-US" sz="800" dirty="0"/>
+              <a:t>	201216	12.28	5.00	21.78	4.67	0.3801</a:t>
+            </a:r>
+          </a:p>
+          <a:p>
+            <a:r>
+              <a:rPr lang="en-US" sz="800" dirty="0"/>
+              <a:t>2021	23964	12.16	8.00	17.97	4.24	0.3485</a:t>
+            </a:r>
+          </a:p>
+          <a:p>
+            <a:r>
+              <a:rPr lang="en-US" sz="800" dirty="0"/>
+              <a:t>2022	48668	12.25	5.00	22.78	4.77	0.3896</a:t>
+            </a:r>
+          </a:p>
+          <a:p>
+            <a:r>
+              <a:rPr lang="en-US" sz="800" dirty="0"/>
+              <a:t>2023	51409	12.24	5.00	22.33	4.73	0.3862</a:t>
+            </a:r>
+          </a:p>
+          <a:p>
+            <a:r>
+              <a:rPr lang="en-US" sz="800" dirty="0"/>
+              <a:t>2024	51480	12.33	5.00	22.00	4.69	0.3806</a:t>
+            </a:r>
+          </a:p>
+          <a:p>
+            <a:r>
+              <a:rPr lang="en-US" sz="800" dirty="0"/>
+              <a:t>Skew:  -0.01872</a:t>
+            </a:r>
+            <a:endParaRPr lang="en-US" sz="800" dirty="0"/>
+          </a:p>
+        </p:txBody>
+      </p:sp>
+      <p:sp>
+        <p:nvSpPr>
+          <p:cNvPr id="6" name="TextBox 5"/>
+          <p:cNvSpPr txBox="1"/>
+          <p:nvPr/>
+        </p:nvSpPr>
+        <p:spPr>
+          <a:xfrm>
+            <a:off x="5029200" y="76200"/>
+            <a:ext cx="2837636" cy="369332"/>
+          </a:xfrm>
+          <a:prstGeom prst="rect">
+            <a:avLst/>
+          </a:prstGeom>
+          <a:noFill/>
+        </p:spPr>
+        <p:txBody>
+          <a:bodyPr wrap="none" rtlCol="0">
+            <a:spAutoFit/>
+          </a:bodyPr>
+          <a:lstStyle/>
+          <a:p>
+            <a:r>
+              <a:rPr lang="en-US" b="1" dirty="0" smtClean="0"/>
+              <a:t>The Pursuit of Happiness</a:t>
+            </a:r>
+            <a:endParaRPr lang="en-US" b="1" dirty="0"/>
+          </a:p>
+        </p:txBody>
+      </p:sp>
       <p:pic>
         <p:nvPicPr>
-          <p:cNvPr id="5122" name="Picture 2"/>
+          <p:cNvPr id="5123" name="Picture 3"/>
           <p:cNvPicPr>
             <a:picLocks noGrp="1" noChangeAspect="1" noChangeArrowheads="1"/>
           </p:cNvPicPr>
@@ -13904,8 +14073,8 @@
         </p:blipFill>
         <p:spPr bwMode="auto">
           <a:xfrm>
-            <a:off x="914400" y="2209800"/>
-            <a:ext cx="4831449" cy="2737723"/>
+            <a:off x="1066800" y="2233325"/>
+            <a:ext cx="4191000" cy="2643475"/>
           </a:xfrm>
           <a:prstGeom prst="rect">
             <a:avLst/>
@@ -13935,150 +14104,6 @@
           </a:extLst>
         </p:spPr>
       </p:pic>
-      <p:sp>
-        <p:nvSpPr>
-          <p:cNvPr id="4" name="TextBox 3"/>
-          <p:cNvSpPr txBox="1"/>
-          <p:nvPr/>
-        </p:nvSpPr>
-        <p:spPr>
-          <a:xfrm>
-            <a:off x="5791200" y="2209800"/>
-            <a:ext cx="2590800" cy="2585323"/>
-          </a:xfrm>
-          <a:prstGeom prst="rect">
-            <a:avLst/>
-          </a:prstGeom>
-          <a:noFill/>
-        </p:spPr>
-        <p:txBody>
-          <a:bodyPr wrap="square" rtlCol="0">
-            <a:spAutoFit/>
-          </a:bodyPr>
-          <a:lstStyle/>
-          <a:p>
-            <a:r>
-              <a:rPr lang="en-US" dirty="0" smtClean="0"/>
-              <a:t>Faith-correlates are all over the map, but unlike the others, while the mean has stayed constant over the past four years, the mode has dropped from 9 to 3 during that period</a:t>
-            </a:r>
-            <a:endParaRPr lang="en-US" dirty="0"/>
-          </a:p>
-        </p:txBody>
-      </p:sp>
-      <p:sp>
-        <p:nvSpPr>
-          <p:cNvPr id="5" name="TextBox 4"/>
-          <p:cNvSpPr txBox="1"/>
-          <p:nvPr/>
-        </p:nvSpPr>
-        <p:spPr>
-          <a:xfrm>
-            <a:off x="1524000" y="4953511"/>
-            <a:ext cx="6034024" cy="830997"/>
-          </a:xfrm>
-          <a:prstGeom prst="rect">
-            <a:avLst/>
-          </a:prstGeom>
-          <a:noFill/>
-        </p:spPr>
-        <p:txBody>
-          <a:bodyPr wrap="none" rtlCol="0">
-            <a:spAutoFit/>
-          </a:bodyPr>
-          <a:lstStyle/>
-          <a:p>
-            <a:r>
-              <a:rPr lang="en-US" sz="800" dirty="0" smtClean="0"/>
-              <a:t>key	n	mean	mode	</a:t>
-            </a:r>
-            <a:r>
-              <a:rPr lang="en-US" sz="800" dirty="0" err="1" smtClean="0"/>
-              <a:t>var</a:t>
-            </a:r>
-            <a:r>
-              <a:rPr lang="en-US" sz="800" dirty="0" smtClean="0"/>
-              <a:t>	</a:t>
-            </a:r>
-            <a:r>
-              <a:rPr lang="en-US" sz="800" dirty="0" err="1" smtClean="0"/>
-              <a:t>std</a:t>
-            </a:r>
-            <a:r>
-              <a:rPr lang="en-US" sz="800" dirty="0" smtClean="0"/>
-              <a:t>	cv</a:t>
-            </a:r>
-          </a:p>
-          <a:p>
-            <a:r>
-              <a:rPr lang="en-US" sz="800" dirty="0" smtClean="0"/>
-              <a:t>All </a:t>
-            </a:r>
-            <a:r>
-              <a:rPr lang="en-US" sz="800" dirty="0" err="1" smtClean="0"/>
-              <a:t>Yrs</a:t>
-            </a:r>
-            <a:r>
-              <a:rPr lang="en-US" sz="800" dirty="0" smtClean="0"/>
-              <a:t>	201216	7.32	9.00	7.73	2.78	0.3802</a:t>
-            </a:r>
-          </a:p>
-          <a:p>
-            <a:r>
-              <a:rPr lang="en-US" sz="800" dirty="0" smtClean="0"/>
-              <a:t>2021	23964	7.28	6.00	5.86	2.42	0.3324</a:t>
-            </a:r>
-          </a:p>
-          <a:p>
-            <a:r>
-              <a:rPr lang="en-US" sz="800" dirty="0" smtClean="0"/>
-              <a:t>2022	48668	7.29	3.00	8.15	2.85	0.3915</a:t>
-            </a:r>
-          </a:p>
-          <a:p>
-            <a:r>
-              <a:rPr lang="en-US" sz="800" dirty="0" smtClean="0"/>
-              <a:t>2023	51409	7.28	3.00	7.99	2.83	0.3883</a:t>
-            </a:r>
-          </a:p>
-          <a:p>
-            <a:r>
-              <a:rPr lang="en-US" sz="800" dirty="0" smtClean="0"/>
-              <a:t>2024	51480	7.35	3.00	7.90	2.81	0.3827</a:t>
-            </a:r>
-            <a:endParaRPr lang="en-US" sz="800" dirty="0"/>
-          </a:p>
-        </p:txBody>
-      </p:sp>
-      <p:sp>
-        <p:nvSpPr>
-          <p:cNvPr id="6" name="TextBox 5"/>
-          <p:cNvSpPr txBox="1"/>
-          <p:nvPr/>
-        </p:nvSpPr>
-        <p:spPr>
-          <a:xfrm>
-            <a:off x="5029200" y="76200"/>
-            <a:ext cx="2837636" cy="369332"/>
-          </a:xfrm>
-          <a:prstGeom prst="rect">
-            <a:avLst/>
-          </a:prstGeom>
-          <a:noFill/>
-        </p:spPr>
-        <p:txBody>
-          <a:bodyPr wrap="none" rtlCol="0">
-            <a:spAutoFit/>
-          </a:bodyPr>
-          <a:lstStyle/>
-          <a:p>
-            <a:r>
-              <a:rPr lang="en-US" b="1" dirty="0" smtClean="0"/>
-              <a:t>The Pursuit of Happiness</a:t>
-            </a:r>
-            <a:endParaRPr lang="en-US" b="1" dirty="0"/>
-          </a:p>
-        </p:txBody>
-      </p:sp>
     </p:spTree>
     <p:extLst>
       <p:ext uri="{BB962C8B-B14F-4D97-AF65-F5344CB8AC3E}">
@@ -14256,7 +14281,7 @@
         <p:spPr>
           <a:xfrm>
             <a:off x="1423252" y="5029200"/>
-            <a:ext cx="6112571" cy="1015663"/>
+            <a:ext cx="6112571" cy="1323439"/>
           </a:xfrm>
           <a:prstGeom prst="rect">
             <a:avLst/>
@@ -14325,7 +14350,28 @@
           <a:p>
             <a:r>
               <a:rPr lang="en-US" sz="1000" dirty="0" smtClean="0"/>
-              <a:t>2024	51480	3.03	3.00	0.67	0.82	0.2704</a:t>
+              <a:t>2024	51480</a:t>
+            </a:r>
+            <a:r>
+              <a:rPr lang="en-US" sz="1000" dirty="0" smtClean="0"/>
+              <a:t>	3.03	3.00	0.67	0.82	</a:t>
+            </a:r>
+            <a:r>
+              <a:rPr lang="en-US" sz="1000" dirty="0" smtClean="0"/>
+              <a:t>0.2704</a:t>
+            </a:r>
+          </a:p>
+          <a:p>
+            <a:endParaRPr lang="en-US" sz="1000" dirty="0" smtClean="0"/>
+          </a:p>
+          <a:p>
+            <a:r>
+              <a:rPr lang="en-US" sz="1000" dirty="0"/>
+              <a:t>Skew: -</a:t>
+            </a:r>
+            <a:r>
+              <a:rPr lang="en-US" sz="1000" dirty="0" smtClean="0"/>
+              <a:t>0.6242</a:t>
             </a:r>
             <a:endParaRPr lang="en-US" sz="1000" dirty="0"/>
           </a:p>
@@ -14445,43 +14491,7 @@
           <a:p>
             <a:r>
               <a:rPr lang="en-US" dirty="0" smtClean="0"/>
-              <a:t>Politics?</a:t>
-            </a:r>
-            <a:endParaRPr lang="en-US" dirty="0"/>
-          </a:p>
-        </p:txBody>
-      </p:sp>
-      <p:sp>
-        <p:nvSpPr>
-          <p:cNvPr id="4" name="TextBox 3"/>
-          <p:cNvSpPr txBox="1"/>
-          <p:nvPr/>
-        </p:nvSpPr>
-        <p:spPr>
-          <a:xfrm>
-            <a:off x="1295400" y="5334000"/>
-            <a:ext cx="5537093" cy="646331"/>
-          </a:xfrm>
-          <a:prstGeom prst="rect">
-            <a:avLst/>
-          </a:prstGeom>
-          <a:noFill/>
-        </p:spPr>
-        <p:txBody>
-          <a:bodyPr wrap="none" rtlCol="0">
-            <a:spAutoFit/>
-          </a:bodyPr>
-          <a:lstStyle/>
-          <a:p>
-            <a:r>
-              <a:rPr lang="en-US" dirty="0" smtClean="0"/>
-              <a:t>Who is happier, Liberals or Conservatives?  </a:t>
-            </a:r>
-          </a:p>
-          <a:p>
-            <a:r>
-              <a:rPr lang="en-US" dirty="0" smtClean="0"/>
-              <a:t>Overall, conservatives have a slight advantage.</a:t>
+              <a:t>“Strength”</a:t>
             </a:r>
             <a:endParaRPr lang="en-US" dirty="0"/>
           </a:p>
@@ -14489,7 +14499,7 @@
       </p:sp>
       <p:pic>
         <p:nvPicPr>
-          <p:cNvPr id="1028" name="Picture 4"/>
+          <p:cNvPr id="6146" name="Picture 2"/>
           <p:cNvPicPr>
             <a:picLocks noGrp="1" noChangeAspect="1" noChangeArrowheads="1"/>
           </p:cNvPicPr>
@@ -14512,8 +14522,8 @@
         </p:blipFill>
         <p:spPr bwMode="auto">
           <a:xfrm>
-            <a:off x="1042988" y="2327605"/>
-            <a:ext cx="6777037" cy="2930196"/>
+            <a:off x="838200" y="2209801"/>
+            <a:ext cx="4852008" cy="2667000"/>
           </a:xfrm>
           <a:prstGeom prst="rect">
             <a:avLst/>
@@ -14545,14 +14555,14 @@
       </p:pic>
       <p:sp>
         <p:nvSpPr>
-          <p:cNvPr id="10" name="TextBox 9"/>
+          <p:cNvPr id="4" name="TextBox 3"/>
           <p:cNvSpPr txBox="1"/>
           <p:nvPr/>
         </p:nvSpPr>
         <p:spPr>
           <a:xfrm>
-            <a:off x="5029200" y="76200"/>
-            <a:ext cx="2837636" cy="369332"/>
+            <a:off x="5791200" y="2362200"/>
+            <a:ext cx="2685351" cy="2308324"/>
           </a:xfrm>
           <a:prstGeom prst="rect">
             <a:avLst/>
@@ -14566,17 +14576,167 @@
           <a:lstStyle/>
           <a:p>
             <a:r>
-              <a:rPr lang="en-US" b="1" dirty="0" smtClean="0"/>
-              <a:t>The Pursuit of Happiness</a:t>
-            </a:r>
-            <a:endParaRPr lang="en-US" b="1" dirty="0"/>
+              <a:rPr lang="en-US" dirty="0" smtClean="0"/>
+              <a:t>For the next few slides,</a:t>
+            </a:r>
+          </a:p>
+          <a:p>
+            <a:r>
+              <a:rPr lang="en-US" dirty="0" smtClean="0"/>
+              <a:t>we’ll look at the four</a:t>
+            </a:r>
+          </a:p>
+          <a:p>
+            <a:r>
+              <a:rPr lang="en-US" dirty="0" smtClean="0"/>
+              <a:t>factors consolidated</a:t>
+            </a:r>
+          </a:p>
+          <a:p>
+            <a:r>
+              <a:rPr lang="en-US" dirty="0" smtClean="0"/>
+              <a:t>into a single measure,</a:t>
+            </a:r>
+          </a:p>
+          <a:p>
+            <a:r>
+              <a:rPr lang="en-US" dirty="0" smtClean="0"/>
+              <a:t>which will be referred</a:t>
+            </a:r>
+          </a:p>
+          <a:p>
+            <a:r>
+              <a:rPr lang="en-US" dirty="0" smtClean="0"/>
+              <a:t>to as “Strength”.  This</a:t>
+            </a:r>
+          </a:p>
+          <a:p>
+            <a:r>
+              <a:rPr lang="en-US" dirty="0" smtClean="0"/>
+              <a:t>score has declined</a:t>
+            </a:r>
+          </a:p>
+          <a:p>
+            <a:r>
+              <a:rPr lang="en-US" dirty="0" smtClean="0"/>
+              <a:t>slightly in recent years.</a:t>
+            </a:r>
+            <a:endParaRPr lang="en-US" dirty="0"/>
+          </a:p>
+        </p:txBody>
+      </p:sp>
+      <p:sp>
+        <p:nvSpPr>
+          <p:cNvPr id="6" name="TextBox 5"/>
+          <p:cNvSpPr txBox="1"/>
+          <p:nvPr/>
+        </p:nvSpPr>
+        <p:spPr>
+          <a:xfrm>
+            <a:off x="1371600" y="4876800"/>
+            <a:ext cx="6034024" cy="1077218"/>
+          </a:xfrm>
+          <a:prstGeom prst="rect">
+            <a:avLst/>
+          </a:prstGeom>
+          <a:noFill/>
+        </p:spPr>
+        <p:txBody>
+          <a:bodyPr wrap="none" rtlCol="0">
+            <a:spAutoFit/>
+          </a:bodyPr>
+          <a:lstStyle/>
+          <a:p>
+            <a:r>
+              <a:rPr lang="en-US" sz="800" dirty="0"/>
+              <a:t>key	n	mean	mode	</a:t>
+            </a:r>
+            <a:r>
+              <a:rPr lang="en-US" sz="800" dirty="0" err="1"/>
+              <a:t>var</a:t>
+            </a:r>
+            <a:r>
+              <a:rPr lang="en-US" sz="800" dirty="0"/>
+              <a:t>	</a:t>
+            </a:r>
+            <a:r>
+              <a:rPr lang="en-US" sz="800" dirty="0" err="1"/>
+              <a:t>std</a:t>
+            </a:r>
+            <a:r>
+              <a:rPr lang="en-US" sz="800" dirty="0"/>
+              <a:t>	cv</a:t>
+            </a:r>
+          </a:p>
+          <a:p>
+            <a:r>
+              <a:rPr lang="en-US" sz="800" dirty="0"/>
+              <a:t>All </a:t>
+            </a:r>
+            <a:r>
+              <a:rPr lang="en-US" sz="800" dirty="0" err="1"/>
+              <a:t>Yrs</a:t>
+            </a:r>
+            <a:r>
+              <a:rPr lang="en-US" sz="800" dirty="0"/>
+              <a:t>	201216	51.08	50.00	68.18	8.26	0.1616</a:t>
+            </a:r>
+          </a:p>
+          <a:p>
+            <a:r>
+              <a:rPr lang="en-US" sz="800" dirty="0"/>
+              <a:t>2021	23964	51.31	51.00	49.78	7.06	0.1375</a:t>
+            </a:r>
+          </a:p>
+          <a:p>
+            <a:r>
+              <a:rPr lang="en-US" sz="800" dirty="0"/>
+              <a:t>2022	48668	51.13	51.00	68.10	8.25	0.1614</a:t>
+            </a:r>
+          </a:p>
+          <a:p>
+            <a:r>
+              <a:rPr lang="en-US" sz="800" dirty="0"/>
+              <a:t>2023	51409	51.01	51.00	71.41	8.45	0.1657</a:t>
+            </a:r>
+          </a:p>
+          <a:p>
+            <a:r>
+              <a:rPr lang="en-US" sz="800" dirty="0"/>
+              <a:t>2024	51480	50.96	50.00	70.99	8.43	0.1653</a:t>
+            </a:r>
+          </a:p>
+          <a:p>
+            <a:r>
+              <a:rPr lang="en-US" sz="800" dirty="0"/>
+              <a:t>Skew: -</a:t>
+            </a:r>
+            <a:r>
+              <a:rPr lang="en-US" sz="800" dirty="0" smtClean="0"/>
+              <a:t>0.0685</a:t>
+            </a:r>
+          </a:p>
+          <a:p>
+            <a:r>
+              <a:rPr lang="en-US" sz="800" dirty="0" smtClean="0"/>
+              <a:t>Kurtosis</a:t>
+            </a:r>
+            <a:r>
+              <a:rPr lang="en-US" sz="800" dirty="0"/>
+              <a:t>: </a:t>
+            </a:r>
+            <a:r>
+              <a:rPr lang="en-US" sz="800" dirty="0" smtClean="0"/>
+              <a:t>0.2464</a:t>
+            </a:r>
+            <a:endParaRPr lang="en-US" sz="800" dirty="0"/>
           </a:p>
         </p:txBody>
       </p:sp>
     </p:spTree>
     <p:extLst>
       <p:ext uri="{BB962C8B-B14F-4D97-AF65-F5344CB8AC3E}">
-        <p14:creationId xmlns:p14="http://schemas.microsoft.com/office/powerpoint/2010/main" val="2644875955"/>
+        <p14:creationId xmlns:p14="http://schemas.microsoft.com/office/powerpoint/2010/main" val="87845974"/>
       </p:ext>
     </p:extLst>
   </p:cSld>
@@ -14620,7 +14780,7 @@
           <a:p>
             <a:r>
               <a:rPr lang="en-US" dirty="0" smtClean="0"/>
-              <a:t>More Politics?</a:t>
+              <a:t>“Strength”</a:t>
             </a:r>
             <a:endParaRPr lang="en-US" dirty="0"/>
           </a:p>
@@ -14628,7 +14788,7 @@
       </p:sp>
       <p:pic>
         <p:nvPicPr>
-          <p:cNvPr id="2050" name="Picture 2"/>
+          <p:cNvPr id="3074" name="Picture 2"/>
           <p:cNvPicPr>
             <a:picLocks noGrp="1" noChangeAspect="1" noChangeArrowheads="1"/>
           </p:cNvPicPr>
@@ -14651,8 +14811,8 @@
         </p:blipFill>
         <p:spPr bwMode="auto">
           <a:xfrm>
-            <a:off x="838200" y="2286000"/>
-            <a:ext cx="4623325" cy="3508375"/>
+            <a:off x="1219200" y="2209801"/>
+            <a:ext cx="4477422" cy="3505200"/>
           </a:xfrm>
           <a:prstGeom prst="rect">
             <a:avLst/>
@@ -14690,8 +14850,8 @@
         </p:nvSpPr>
         <p:spPr>
           <a:xfrm>
-            <a:off x="5528336" y="2329934"/>
-            <a:ext cx="2853664" cy="1754326"/>
+            <a:off x="5715000" y="2362200"/>
+            <a:ext cx="2667000" cy="1384995"/>
           </a:xfrm>
           <a:prstGeom prst="rect">
             <a:avLst/>
@@ -14705,9 +14865,22 @@
           <a:lstStyle/>
           <a:p>
             <a:r>
-              <a:rPr lang="en-US" dirty="0" smtClean="0"/>
-              <a:t>While conservatives tend to be happier than liberals, they tend to have lower total scores in health, wealth, love, and faith.  </a:t>
-            </a:r>
+              <a:rPr lang="en-US" sz="1400" dirty="0" smtClean="0"/>
+              <a:t>This </a:t>
+            </a:r>
+            <a:r>
+              <a:rPr lang="en-US" sz="1400" dirty="0" smtClean="0"/>
+              <a:t>probability plot shows </a:t>
+            </a:r>
+            <a:r>
+              <a:rPr lang="en-US" sz="1400" dirty="0" smtClean="0"/>
+              <a:t>that “strength”, being the sum of a person’s health, wealth, love, and faith scores, is an almost perfectly normal </a:t>
+            </a:r>
+            <a:r>
+              <a:rPr lang="en-US" sz="1400" dirty="0" smtClean="0"/>
+              <a:t>distribution.</a:t>
+            </a:r>
+            <a:endParaRPr lang="en-US" sz="1400" dirty="0"/>
           </a:p>
         </p:txBody>
       </p:sp>
@@ -14744,7 +14917,7 @@
     </p:spTree>
     <p:extLst>
       <p:ext uri="{BB962C8B-B14F-4D97-AF65-F5344CB8AC3E}">
-        <p14:creationId xmlns:p14="http://schemas.microsoft.com/office/powerpoint/2010/main" val="3853642458"/>
+        <p14:creationId xmlns:p14="http://schemas.microsoft.com/office/powerpoint/2010/main" val="54571030"/>
       </p:ext>
     </p:extLst>
   </p:cSld>
@@ -14788,21 +14961,93 @@
           <a:p>
             <a:r>
               <a:rPr lang="en-US" dirty="0" smtClean="0"/>
-              <a:t>“Strength”</a:t>
+              <a:t>Politics?</a:t>
             </a:r>
             <a:endParaRPr lang="en-US" dirty="0"/>
+          </a:p>
+        </p:txBody>
+      </p:sp>
+      <p:sp>
+        <p:nvSpPr>
+          <p:cNvPr id="4" name="TextBox 3"/>
+          <p:cNvSpPr txBox="1"/>
+          <p:nvPr/>
+        </p:nvSpPr>
+        <p:spPr>
+          <a:xfrm>
+            <a:off x="6240729" y="2209800"/>
+            <a:ext cx="2412893" cy="2523768"/>
+          </a:xfrm>
+          <a:prstGeom prst="rect">
+            <a:avLst/>
+          </a:prstGeom>
+          <a:noFill/>
+        </p:spPr>
+        <p:txBody>
+          <a:bodyPr wrap="square" rtlCol="0">
+            <a:spAutoFit/>
+          </a:bodyPr>
+          <a:lstStyle/>
+          <a:p>
+            <a:r>
+              <a:rPr lang="en-US" sz="1400" dirty="0" smtClean="0"/>
+              <a:t>There’s been a lot of focus on politics recently, so let’s compare Democrats and Republicans:</a:t>
+            </a:r>
+          </a:p>
+          <a:p>
+            <a:endParaRPr lang="en-US" sz="1400" dirty="0"/>
+          </a:p>
+          <a:p>
+            <a:r>
+              <a:rPr lang="en-US" sz="1400" dirty="0" smtClean="0"/>
+              <a:t>Conservatives appear to have a slight strength advantage, but…</a:t>
+            </a:r>
+          </a:p>
+          <a:p>
+            <a:endParaRPr lang="en-US" sz="1400" dirty="0"/>
+          </a:p>
+          <a:p>
+            <a:endParaRPr lang="en-US" dirty="0"/>
+          </a:p>
+        </p:txBody>
+      </p:sp>
+      <p:sp>
+        <p:nvSpPr>
+          <p:cNvPr id="10" name="TextBox 9"/>
+          <p:cNvSpPr txBox="1"/>
+          <p:nvPr/>
+        </p:nvSpPr>
+        <p:spPr>
+          <a:xfrm>
+            <a:off x="5029200" y="76200"/>
+            <a:ext cx="2837636" cy="369332"/>
+          </a:xfrm>
+          <a:prstGeom prst="rect">
+            <a:avLst/>
+          </a:prstGeom>
+          <a:noFill/>
+        </p:spPr>
+        <p:txBody>
+          <a:bodyPr wrap="none" rtlCol="0">
+            <a:spAutoFit/>
+          </a:bodyPr>
+          <a:lstStyle/>
+          <a:p>
+            <a:r>
+              <a:rPr lang="en-US" b="1" dirty="0" smtClean="0"/>
+              <a:t>The Pursuit of Happiness</a:t>
+            </a:r>
+            <a:endParaRPr lang="en-US" b="1" dirty="0"/>
           </a:p>
         </p:txBody>
       </p:sp>
       <p:pic>
         <p:nvPicPr>
-          <p:cNvPr id="3074" name="Picture 2"/>
+          <p:cNvPr id="5" name="Picture 4"/>
           <p:cNvPicPr>
-            <a:picLocks noGrp="1" noChangeAspect="1" noChangeArrowheads="1"/>
+            <a:picLocks noChangeAspect="1" noChangeArrowheads="1"/>
           </p:cNvPicPr>
-          <p:nvPr>
-            <p:ph idx="1"/>
-          </p:nvPr>
+          <p:nvPr/>
         </p:nvPicPr>
         <p:blipFill>
           <a:blip r:embed="rId2">
@@ -14819,8 +15064,8 @@
         </p:blipFill>
         <p:spPr bwMode="auto">
           <a:xfrm>
-            <a:off x="1219200" y="2209800"/>
-            <a:ext cx="4477422" cy="3508375"/>
+            <a:off x="878442" y="2200594"/>
+            <a:ext cx="5446158" cy="3209605"/>
           </a:xfrm>
           <a:prstGeom prst="rect">
             <a:avLst/>
@@ -14850,70 +15095,10 @@
           </a:extLst>
         </p:spPr>
       </p:pic>
-      <p:sp>
-        <p:nvSpPr>
-          <p:cNvPr id="4" name="TextBox 3"/>
-          <p:cNvSpPr txBox="1"/>
-          <p:nvPr/>
-        </p:nvSpPr>
-        <p:spPr>
-          <a:xfrm>
-            <a:off x="5715000" y="2362200"/>
-            <a:ext cx="2667000" cy="2246769"/>
-          </a:xfrm>
-          <a:prstGeom prst="rect">
-            <a:avLst/>
-          </a:prstGeom>
-          <a:noFill/>
-        </p:spPr>
-        <p:txBody>
-          <a:bodyPr wrap="square" rtlCol="0">
-            <a:spAutoFit/>
-          </a:bodyPr>
-          <a:lstStyle/>
-          <a:p>
-            <a:r>
-              <a:rPr lang="en-US" sz="1400" dirty="0" smtClean="0"/>
-              <a:t>This shows that “strength”, being the sum of a person’s health, wealth, love, and faith scores, is an almost perfectly normal distribution, indicating that, if there was a difference between conservatives and liberals when it comes to happiness, we would’ve seen it by now.</a:t>
-            </a:r>
-            <a:endParaRPr lang="en-US" sz="1400" dirty="0"/>
-          </a:p>
-        </p:txBody>
-      </p:sp>
-      <p:sp>
-        <p:nvSpPr>
-          <p:cNvPr id="6" name="TextBox 5"/>
-          <p:cNvSpPr txBox="1"/>
-          <p:nvPr/>
-        </p:nvSpPr>
-        <p:spPr>
-          <a:xfrm>
-            <a:off x="5029200" y="76200"/>
-            <a:ext cx="2837636" cy="369332"/>
-          </a:xfrm>
-          <a:prstGeom prst="rect">
-            <a:avLst/>
-          </a:prstGeom>
-          <a:noFill/>
-        </p:spPr>
-        <p:txBody>
-          <a:bodyPr wrap="none" rtlCol="0">
-            <a:spAutoFit/>
-          </a:bodyPr>
-          <a:lstStyle/>
-          <a:p>
-            <a:r>
-              <a:rPr lang="en-US" b="1" dirty="0" smtClean="0"/>
-              <a:t>The Pursuit of Happiness</a:t>
-            </a:r>
-            <a:endParaRPr lang="en-US" b="1" dirty="0"/>
-          </a:p>
-        </p:txBody>
-      </p:sp>
     </p:spTree>
     <p:extLst>
       <p:ext uri="{BB962C8B-B14F-4D97-AF65-F5344CB8AC3E}">
-        <p14:creationId xmlns:p14="http://schemas.microsoft.com/office/powerpoint/2010/main" val="54571030"/>
+        <p14:creationId xmlns:p14="http://schemas.microsoft.com/office/powerpoint/2010/main" val="2644875955"/>
       </p:ext>
     </p:extLst>
   </p:cSld>
@@ -14957,15 +15142,79 @@
           <a:p>
             <a:r>
               <a:rPr lang="en-US" dirty="0" smtClean="0"/>
-              <a:t>Correlation</a:t>
+              <a:t>Politics</a:t>
+            </a:r>
+            <a:r>
+              <a:rPr lang="en-US" dirty="0" smtClean="0"/>
+              <a:t>?</a:t>
             </a:r>
             <a:endParaRPr lang="en-US" dirty="0"/>
+          </a:p>
+        </p:txBody>
+      </p:sp>
+      <p:sp>
+        <p:nvSpPr>
+          <p:cNvPr id="4" name="TextBox 3"/>
+          <p:cNvSpPr txBox="1"/>
+          <p:nvPr/>
+        </p:nvSpPr>
+        <p:spPr>
+          <a:xfrm>
+            <a:off x="5972239" y="2362200"/>
+            <a:ext cx="2438400" cy="1754326"/>
+          </a:xfrm>
+          <a:prstGeom prst="rect">
+            <a:avLst/>
+          </a:prstGeom>
+          <a:noFill/>
+        </p:spPr>
+        <p:txBody>
+          <a:bodyPr wrap="square" rtlCol="0">
+            <a:spAutoFit/>
+          </a:bodyPr>
+          <a:lstStyle/>
+          <a:p>
+            <a:r>
+              <a:rPr lang="en-US" dirty="0" smtClean="0"/>
+              <a:t>…When it comes to happiness, the difference between liberals and conservatives is negligible.</a:t>
+            </a:r>
+            <a:endParaRPr lang="en-US" dirty="0" smtClean="0"/>
+          </a:p>
+        </p:txBody>
+      </p:sp>
+      <p:sp>
+        <p:nvSpPr>
+          <p:cNvPr id="6" name="TextBox 5"/>
+          <p:cNvSpPr txBox="1"/>
+          <p:nvPr/>
+        </p:nvSpPr>
+        <p:spPr>
+          <a:xfrm>
+            <a:off x="5029200" y="76200"/>
+            <a:ext cx="2837636" cy="369332"/>
+          </a:xfrm>
+          <a:prstGeom prst="rect">
+            <a:avLst/>
+          </a:prstGeom>
+          <a:noFill/>
+        </p:spPr>
+        <p:txBody>
+          <a:bodyPr wrap="none" rtlCol="0">
+            <a:spAutoFit/>
+          </a:bodyPr>
+          <a:lstStyle/>
+          <a:p>
+            <a:r>
+              <a:rPr lang="en-US" b="1" dirty="0" smtClean="0"/>
+              <a:t>The Pursuit of Happiness</a:t>
+            </a:r>
+            <a:endParaRPr lang="en-US" b="1" dirty="0"/>
           </a:p>
         </p:txBody>
       </p:sp>
       <p:pic>
         <p:nvPicPr>
-          <p:cNvPr id="4098" name="Picture 2"/>
+          <p:cNvPr id="7170" name="Picture 2"/>
           <p:cNvPicPr>
             <a:picLocks noGrp="1" noChangeAspect="1" noChangeArrowheads="1"/>
           </p:cNvPicPr>
@@ -14988,8 +15237,8 @@
         </p:blipFill>
         <p:spPr bwMode="auto">
           <a:xfrm>
-            <a:off x="914400" y="2286000"/>
-            <a:ext cx="4619360" cy="3508375"/>
+            <a:off x="939894" y="2362200"/>
+            <a:ext cx="4987852" cy="2590800"/>
           </a:xfrm>
           <a:prstGeom prst="rect">
             <a:avLst/>
@@ -15019,133 +15268,10 @@
           </a:extLst>
         </p:spPr>
       </p:pic>
-      <p:sp>
-        <p:nvSpPr>
-          <p:cNvPr id="4" name="TextBox 3"/>
-          <p:cNvSpPr txBox="1"/>
-          <p:nvPr/>
-        </p:nvSpPr>
-        <p:spPr>
-          <a:xfrm>
-            <a:off x="5638800" y="2514600"/>
-            <a:ext cx="2811988" cy="2862322"/>
-          </a:xfrm>
-          <a:prstGeom prst="rect">
-            <a:avLst/>
-          </a:prstGeom>
-          <a:noFill/>
-        </p:spPr>
-        <p:txBody>
-          <a:bodyPr wrap="none" rtlCol="0">
-            <a:spAutoFit/>
-          </a:bodyPr>
-          <a:lstStyle/>
-          <a:p>
-            <a:r>
-              <a:rPr lang="en-US" dirty="0" smtClean="0"/>
-              <a:t>Plotting the Strength</a:t>
-            </a:r>
-          </a:p>
-          <a:p>
-            <a:r>
-              <a:rPr lang="en-US" dirty="0" smtClean="0"/>
-              <a:t>variable shown before</a:t>
-            </a:r>
-          </a:p>
-          <a:p>
-            <a:r>
-              <a:rPr lang="en-US" dirty="0" smtClean="0"/>
-              <a:t>vs. happiness, it’s clear</a:t>
-            </a:r>
-          </a:p>
-          <a:p>
-            <a:r>
-              <a:rPr lang="en-US" dirty="0" smtClean="0"/>
-              <a:t>that there isn’t much of</a:t>
-            </a:r>
-          </a:p>
-          <a:p>
-            <a:r>
-              <a:rPr lang="en-US" dirty="0" smtClean="0"/>
-              <a:t>a correlation between</a:t>
-            </a:r>
-          </a:p>
-          <a:p>
-            <a:r>
-              <a:rPr lang="en-US" dirty="0" smtClean="0"/>
-              <a:t>these two general</a:t>
-            </a:r>
-          </a:p>
-          <a:p>
-            <a:r>
-              <a:rPr lang="en-US" dirty="0" smtClean="0"/>
-              <a:t>measures.</a:t>
-            </a:r>
-          </a:p>
-          <a:p>
-            <a:endParaRPr lang="en-US" dirty="0"/>
-          </a:p>
-          <a:p>
-            <a:r>
-              <a:rPr lang="en-US" dirty="0"/>
-              <a:t>Correlation: 0.1506 </a:t>
-            </a:r>
-            <a:endParaRPr lang="en-US" dirty="0" smtClean="0"/>
-          </a:p>
-          <a:p>
-            <a:r>
-              <a:rPr lang="en-US" dirty="0" err="1" smtClean="0"/>
-              <a:t>Spearmans</a:t>
-            </a:r>
-            <a:r>
-              <a:rPr lang="en-US" dirty="0" smtClean="0"/>
-              <a:t> </a:t>
-            </a:r>
-            <a:r>
-              <a:rPr lang="en-US" dirty="0" err="1"/>
-              <a:t>Corr</a:t>
-            </a:r>
-            <a:r>
-              <a:rPr lang="en-US" dirty="0"/>
-              <a:t>: 0.1298</a:t>
-            </a:r>
-          </a:p>
-        </p:txBody>
-      </p:sp>
-      <p:sp>
-        <p:nvSpPr>
-          <p:cNvPr id="6" name="TextBox 5"/>
-          <p:cNvSpPr txBox="1"/>
-          <p:nvPr/>
-        </p:nvSpPr>
-        <p:spPr>
-          <a:xfrm>
-            <a:off x="5029200" y="76200"/>
-            <a:ext cx="2837636" cy="369332"/>
-          </a:xfrm>
-          <a:prstGeom prst="rect">
-            <a:avLst/>
-          </a:prstGeom>
-          <a:noFill/>
-        </p:spPr>
-        <p:txBody>
-          <a:bodyPr wrap="none" rtlCol="0">
-            <a:spAutoFit/>
-          </a:bodyPr>
-          <a:lstStyle/>
-          <a:p>
-            <a:r>
-              <a:rPr lang="en-US" b="1" dirty="0" smtClean="0"/>
-              <a:t>The Pursuit of Happiness</a:t>
-            </a:r>
-            <a:endParaRPr lang="en-US" b="1" dirty="0"/>
-          </a:p>
-        </p:txBody>
-      </p:sp>
     </p:spTree>
     <p:extLst>
       <p:ext uri="{BB962C8B-B14F-4D97-AF65-F5344CB8AC3E}">
-        <p14:creationId xmlns:p14="http://schemas.microsoft.com/office/powerpoint/2010/main" val="1551480021"/>
+        <p14:creationId xmlns:p14="http://schemas.microsoft.com/office/powerpoint/2010/main" val="3853642458"/>
       </p:ext>
     </p:extLst>
   </p:cSld>
@@ -15189,7 +15315,435 @@
           <a:p>
             <a:r>
               <a:rPr lang="en-US" dirty="0" smtClean="0"/>
-              <a:t>Faith Dropping?</a:t>
+              <a:t>Politics?</a:t>
+            </a:r>
+            <a:endParaRPr lang="en-US" dirty="0"/>
+          </a:p>
+        </p:txBody>
+      </p:sp>
+      <p:pic>
+        <p:nvPicPr>
+          <p:cNvPr id="8194" name="Picture 2"/>
+          <p:cNvPicPr>
+            <a:picLocks noGrp="1" noChangeAspect="1" noChangeArrowheads="1"/>
+          </p:cNvPicPr>
+          <p:nvPr>
+            <p:ph idx="1"/>
+          </p:nvPr>
+        </p:nvPicPr>
+        <p:blipFill>
+          <a:blip r:embed="rId2">
+            <a:extLst>
+              <a:ext uri="{28A0092B-C50C-407E-A947-70E740481C1C}">
+                <a14:useLocalDpi xmlns:a14="http://schemas.microsoft.com/office/drawing/2010/main" val="0"/>
+              </a:ext>
+            </a:extLst>
+          </a:blip>
+          <a:srcRect/>
+          <a:stretch>
+            <a:fillRect/>
+          </a:stretch>
+        </p:blipFill>
+        <p:spPr bwMode="auto">
+          <a:xfrm>
+            <a:off x="914400" y="2286000"/>
+            <a:ext cx="4690142" cy="3508375"/>
+          </a:xfrm>
+          <a:prstGeom prst="rect">
+            <a:avLst/>
+          </a:prstGeom>
+          <a:noFill/>
+          <a:ln>
+            <a:noFill/>
+          </a:ln>
+          <a:extLst>
+            <a:ext uri="{909E8E84-426E-40DD-AFC4-6F175D3DCCD1}">
+              <a14:hiddenFill xmlns:a14="http://schemas.microsoft.com/office/drawing/2010/main">
+                <a:solidFill>
+                  <a:schemeClr val="accent1"/>
+                </a:solidFill>
+              </a14:hiddenFill>
+            </a:ext>
+            <a:ext uri="{91240B29-F687-4F45-9708-019B960494DF}">
+              <a14:hiddenLine xmlns:a14="http://schemas.microsoft.com/office/drawing/2010/main" w="9525">
+                <a:solidFill>
+                  <a:schemeClr val="tx1"/>
+                </a:solidFill>
+                <a:miter lim="800000"/>
+                <a:headEnd/>
+                <a:tailEnd/>
+              </a14:hiddenLine>
+            </a:ext>
+          </a:extLst>
+        </p:spPr>
+      </p:pic>
+      <p:sp>
+        <p:nvSpPr>
+          <p:cNvPr id="5" name="TextBox 4"/>
+          <p:cNvSpPr txBox="1"/>
+          <p:nvPr/>
+        </p:nvSpPr>
+        <p:spPr>
+          <a:xfrm>
+            <a:off x="5029200" y="76200"/>
+            <a:ext cx="2837636" cy="369332"/>
+          </a:xfrm>
+          <a:prstGeom prst="rect">
+            <a:avLst/>
+          </a:prstGeom>
+          <a:noFill/>
+        </p:spPr>
+        <p:txBody>
+          <a:bodyPr wrap="none" rtlCol="0">
+            <a:spAutoFit/>
+          </a:bodyPr>
+          <a:lstStyle/>
+          <a:p>
+            <a:r>
+              <a:rPr lang="en-US" b="1" dirty="0" smtClean="0"/>
+              <a:t>The Pursuit of Happiness</a:t>
+            </a:r>
+            <a:endParaRPr lang="en-US" b="1" dirty="0"/>
+          </a:p>
+        </p:txBody>
+      </p:sp>
+      <p:sp>
+        <p:nvSpPr>
+          <p:cNvPr id="4" name="TextBox 3"/>
+          <p:cNvSpPr txBox="1"/>
+          <p:nvPr/>
+        </p:nvSpPr>
+        <p:spPr>
+          <a:xfrm>
+            <a:off x="5562600" y="2438400"/>
+            <a:ext cx="3191899" cy="1200329"/>
+          </a:xfrm>
+          <a:prstGeom prst="rect">
+            <a:avLst/>
+          </a:prstGeom>
+          <a:noFill/>
+        </p:spPr>
+        <p:txBody>
+          <a:bodyPr wrap="none" rtlCol="0">
+            <a:spAutoFit/>
+          </a:bodyPr>
+          <a:lstStyle/>
+          <a:p>
+            <a:r>
+              <a:rPr lang="en-US" dirty="0" smtClean="0"/>
+              <a:t>It’s pretty clear that liberals</a:t>
+            </a:r>
+          </a:p>
+          <a:p>
+            <a:r>
+              <a:rPr lang="en-US" dirty="0" smtClean="0"/>
+              <a:t>and conservatives are not</a:t>
+            </a:r>
+          </a:p>
+          <a:p>
+            <a:r>
+              <a:rPr lang="en-US" dirty="0" smtClean="0"/>
+              <a:t>all that different in terms of</a:t>
+            </a:r>
+          </a:p>
+          <a:p>
+            <a:r>
+              <a:rPr lang="en-US" dirty="0" smtClean="0"/>
+              <a:t>the these attitudes.</a:t>
+            </a:r>
+            <a:endParaRPr lang="en-US" dirty="0"/>
+          </a:p>
+        </p:txBody>
+      </p:sp>
+    </p:spTree>
+    <p:extLst>
+      <p:ext uri="{BB962C8B-B14F-4D97-AF65-F5344CB8AC3E}">
+        <p14:creationId xmlns:p14="http://schemas.microsoft.com/office/powerpoint/2010/main" val="3548468087"/>
+      </p:ext>
+    </p:extLst>
+  </p:cSld>
+  <p:clrMapOvr>
+    <a:masterClrMapping/>
+  </p:clrMapOvr>
+</p:sld>
+</file>
+
+<file path=ppt/slides/slide17.xml><?xml version="1.0" encoding="utf-8"?>
+<p:sld xmlns:a="http://schemas.openxmlformats.org/drawingml/2006/main" xmlns:r="http://schemas.openxmlformats.org/officeDocument/2006/relationships" xmlns:p="http://schemas.openxmlformats.org/presentationml/2006/main">
+  <p:cSld>
+    <p:spTree>
+      <p:nvGrpSpPr>
+        <p:cNvPr id="1" name=""/>
+        <p:cNvGrpSpPr/>
+        <p:nvPr/>
+      </p:nvGrpSpPr>
+      <p:grpSpPr>
+        <a:xfrm>
+          <a:off x="0" y="0"/>
+          <a:ext cx="0" cy="0"/>
+          <a:chOff x="0" y="0"/>
+          <a:chExt cx="0" cy="0"/>
+        </a:xfrm>
+      </p:grpSpPr>
+      <p:sp>
+        <p:nvSpPr>
+          <p:cNvPr id="2" name="Title 1"/>
+          <p:cNvSpPr>
+            <a:spLocks noGrp="1"/>
+          </p:cNvSpPr>
+          <p:nvPr>
+            <p:ph type="title"/>
+          </p:nvPr>
+        </p:nvSpPr>
+        <p:spPr/>
+        <p:txBody>
+          <a:bodyPr/>
+          <a:lstStyle/>
+          <a:p>
+            <a:r>
+              <a:rPr lang="en-US" dirty="0" smtClean="0"/>
+              <a:t>Correlation</a:t>
+            </a:r>
+            <a:endParaRPr lang="en-US" dirty="0"/>
+          </a:p>
+        </p:txBody>
+      </p:sp>
+      <p:sp>
+        <p:nvSpPr>
+          <p:cNvPr id="4" name="TextBox 3"/>
+          <p:cNvSpPr txBox="1"/>
+          <p:nvPr/>
+        </p:nvSpPr>
+        <p:spPr>
+          <a:xfrm>
+            <a:off x="5638800" y="2514600"/>
+            <a:ext cx="2794355" cy="2631490"/>
+          </a:xfrm>
+          <a:prstGeom prst="rect">
+            <a:avLst/>
+          </a:prstGeom>
+          <a:noFill/>
+        </p:spPr>
+        <p:txBody>
+          <a:bodyPr wrap="none" rtlCol="0">
+            <a:spAutoFit/>
+          </a:bodyPr>
+          <a:lstStyle/>
+          <a:p>
+            <a:r>
+              <a:rPr lang="en-US" dirty="0" smtClean="0"/>
+              <a:t>Plotting the Strength</a:t>
+            </a:r>
+          </a:p>
+          <a:p>
+            <a:r>
+              <a:rPr lang="en-US" dirty="0" smtClean="0"/>
+              <a:t>variable shown before</a:t>
+            </a:r>
+          </a:p>
+          <a:p>
+            <a:r>
+              <a:rPr lang="en-US" dirty="0" smtClean="0"/>
+              <a:t>vs. happiness, it’s clear</a:t>
+            </a:r>
+          </a:p>
+          <a:p>
+            <a:r>
+              <a:rPr lang="en-US" dirty="0" smtClean="0"/>
+              <a:t>that there isn’t much of</a:t>
+            </a:r>
+          </a:p>
+          <a:p>
+            <a:r>
+              <a:rPr lang="en-US" dirty="0" smtClean="0"/>
+              <a:t>a correlation between</a:t>
+            </a:r>
+          </a:p>
+          <a:p>
+            <a:r>
+              <a:rPr lang="en-US" dirty="0" smtClean="0"/>
+              <a:t>these two general</a:t>
+            </a:r>
+          </a:p>
+          <a:p>
+            <a:r>
+              <a:rPr lang="en-US" dirty="0" smtClean="0"/>
+              <a:t>measures.</a:t>
+            </a:r>
+          </a:p>
+          <a:p>
+            <a:endParaRPr lang="en-US" dirty="0"/>
+          </a:p>
+          <a:p>
+            <a:r>
+              <a:rPr lang="en-US" sz="1050" dirty="0"/>
+              <a:t>Correlation: </a:t>
+            </a:r>
+            <a:r>
+              <a:rPr lang="en-US" sz="1050" dirty="0" smtClean="0"/>
+              <a:t>0.1505 </a:t>
+            </a:r>
+            <a:endParaRPr lang="en-US" sz="1050" dirty="0" smtClean="0"/>
+          </a:p>
+          <a:p>
+            <a:r>
+              <a:rPr lang="en-US" sz="1050" dirty="0" err="1" smtClean="0"/>
+              <a:t>Spearmans</a:t>
+            </a:r>
+            <a:r>
+              <a:rPr lang="en-US" sz="1050" dirty="0" smtClean="0"/>
+              <a:t> </a:t>
+            </a:r>
+            <a:r>
+              <a:rPr lang="en-US" sz="1050" dirty="0" err="1"/>
+              <a:t>Corr</a:t>
+            </a:r>
+            <a:r>
+              <a:rPr lang="en-US" sz="1050" dirty="0"/>
+              <a:t>: </a:t>
+            </a:r>
+            <a:r>
+              <a:rPr lang="en-US" sz="1050" dirty="0" smtClean="0"/>
+              <a:t>0.1292</a:t>
+            </a:r>
+            <a:endParaRPr lang="en-US" sz="1050" dirty="0"/>
+          </a:p>
+        </p:txBody>
+      </p:sp>
+      <p:sp>
+        <p:nvSpPr>
+          <p:cNvPr id="6" name="TextBox 5"/>
+          <p:cNvSpPr txBox="1"/>
+          <p:nvPr/>
+        </p:nvSpPr>
+        <p:spPr>
+          <a:xfrm>
+            <a:off x="5029200" y="76200"/>
+            <a:ext cx="2837636" cy="369332"/>
+          </a:xfrm>
+          <a:prstGeom prst="rect">
+            <a:avLst/>
+          </a:prstGeom>
+          <a:noFill/>
+        </p:spPr>
+        <p:txBody>
+          <a:bodyPr wrap="none" rtlCol="0">
+            <a:spAutoFit/>
+          </a:bodyPr>
+          <a:lstStyle/>
+          <a:p>
+            <a:r>
+              <a:rPr lang="en-US" b="1" dirty="0" smtClean="0"/>
+              <a:t>The Pursuit of Happiness</a:t>
+            </a:r>
+            <a:endParaRPr lang="en-US" b="1" dirty="0"/>
+          </a:p>
+        </p:txBody>
+      </p:sp>
+      <p:pic>
+        <p:nvPicPr>
+          <p:cNvPr id="9218" name="Picture 2"/>
+          <p:cNvPicPr>
+            <a:picLocks noGrp="1" noChangeAspect="1" noChangeArrowheads="1"/>
+          </p:cNvPicPr>
+          <p:nvPr>
+            <p:ph idx="1"/>
+          </p:nvPr>
+        </p:nvPicPr>
+        <p:blipFill>
+          <a:blip r:embed="rId2">
+            <a:extLst>
+              <a:ext uri="{28A0092B-C50C-407E-A947-70E740481C1C}">
+                <a14:useLocalDpi xmlns:a14="http://schemas.microsoft.com/office/drawing/2010/main" val="0"/>
+              </a:ext>
+            </a:extLst>
+          </a:blip>
+          <a:srcRect/>
+          <a:stretch>
+            <a:fillRect/>
+          </a:stretch>
+        </p:blipFill>
+        <p:spPr bwMode="auto">
+          <a:xfrm>
+            <a:off x="990600" y="2286000"/>
+            <a:ext cx="4719687" cy="3508375"/>
+          </a:xfrm>
+          <a:prstGeom prst="rect">
+            <a:avLst/>
+          </a:prstGeom>
+          <a:noFill/>
+          <a:ln>
+            <a:noFill/>
+          </a:ln>
+          <a:extLst>
+            <a:ext uri="{909E8E84-426E-40DD-AFC4-6F175D3DCCD1}">
+              <a14:hiddenFill xmlns:a14="http://schemas.microsoft.com/office/drawing/2010/main">
+                <a:solidFill>
+                  <a:schemeClr val="accent1"/>
+                </a:solidFill>
+              </a14:hiddenFill>
+            </a:ext>
+            <a:ext uri="{91240B29-F687-4F45-9708-019B960494DF}">
+              <a14:hiddenLine xmlns:a14="http://schemas.microsoft.com/office/drawing/2010/main" w="9525">
+                <a:solidFill>
+                  <a:schemeClr val="tx1"/>
+                </a:solidFill>
+                <a:miter lim="800000"/>
+                <a:headEnd/>
+                <a:tailEnd/>
+              </a14:hiddenLine>
+            </a:ext>
+          </a:extLst>
+        </p:spPr>
+      </p:pic>
+    </p:spTree>
+    <p:extLst>
+      <p:ext uri="{BB962C8B-B14F-4D97-AF65-F5344CB8AC3E}">
+        <p14:creationId xmlns:p14="http://schemas.microsoft.com/office/powerpoint/2010/main" val="1551480021"/>
+      </p:ext>
+    </p:extLst>
+  </p:cSld>
+  <p:clrMapOvr>
+    <a:masterClrMapping/>
+  </p:clrMapOvr>
+</p:sld>
+</file>
+
+<file path=ppt/slides/slide18.xml><?xml version="1.0" encoding="utf-8"?>
+<p:sld xmlns:a="http://schemas.openxmlformats.org/drawingml/2006/main" xmlns:r="http://schemas.openxmlformats.org/officeDocument/2006/relationships" xmlns:p="http://schemas.openxmlformats.org/presentationml/2006/main">
+  <p:cSld>
+    <p:spTree>
+      <p:nvGrpSpPr>
+        <p:cNvPr id="1" name=""/>
+        <p:cNvGrpSpPr/>
+        <p:nvPr/>
+      </p:nvGrpSpPr>
+      <p:grpSpPr>
+        <a:xfrm>
+          <a:off x="0" y="0"/>
+          <a:ext cx="0" cy="0"/>
+          <a:chOff x="0" y="0"/>
+          <a:chExt cx="0" cy="0"/>
+        </a:xfrm>
+      </p:grpSpPr>
+      <p:sp>
+        <p:nvSpPr>
+          <p:cNvPr id="2" name="Title 1"/>
+          <p:cNvSpPr>
+            <a:spLocks noGrp="1"/>
+          </p:cNvSpPr>
+          <p:nvPr>
+            <p:ph type="title"/>
+          </p:nvPr>
+        </p:nvSpPr>
+        <p:spPr/>
+        <p:txBody>
+          <a:bodyPr/>
+          <a:lstStyle/>
+          <a:p>
+            <a:r>
+              <a:rPr lang="en-US" dirty="0" smtClean="0"/>
+              <a:t>Losing Our Religion</a:t>
             </a:r>
             <a:endParaRPr lang="en-US" dirty="0"/>
           </a:p>
@@ -15222,7 +15776,15 @@
             </a:pPr>
             <a:r>
               <a:rPr lang="en-US" sz="1800" dirty="0" smtClean="0"/>
-              <a:t>As an aside, it’s clear (for a .002 p-value) that the mean faith score has been dropping over between 2021and 2024.</a:t>
+              <a:t>As an aside, it’s clear (for a .002 p-value) that the mean faith score has been dropping </a:t>
+            </a:r>
+            <a:r>
+              <a:rPr lang="en-US" sz="1800" dirty="0" smtClean="0"/>
+              <a:t>between </a:t>
+            </a:r>
+            <a:r>
+              <a:rPr lang="en-US" sz="1800" dirty="0" smtClean="0"/>
+              <a:t>2021and 2024.</a:t>
             </a:r>
             <a:endParaRPr lang="en-US" sz="1800" dirty="0"/>
           </a:p>
@@ -15325,7 +15887,7 @@
 </p:sld>
 </file>
 
-<file path=ppt/slides/slide17.xml><?xml version="1.0" encoding="utf-8"?>
+<file path=ppt/slides/slide19.xml><?xml version="1.0" encoding="utf-8"?>
 <p:sld xmlns:a="http://schemas.openxmlformats.org/drawingml/2006/main" xmlns:r="http://schemas.openxmlformats.org/officeDocument/2006/relationships" xmlns:p="http://schemas.openxmlformats.org/presentationml/2006/main">
   <p:cSld>
     <p:spTree>
@@ -15375,7 +15937,12 @@
             <p:ph idx="1"/>
           </p:nvPr>
         </p:nvSpPr>
-        <p:spPr/>
+        <p:spPr>
+          <a:xfrm>
+            <a:off x="1043492" y="2323652"/>
+            <a:ext cx="6957508" cy="3508977"/>
+          </a:xfrm>
+        </p:spPr>
         <p:txBody>
           <a:bodyPr>
             <a:normAutofit/>
@@ -15387,7 +15954,15 @@
             </a:pPr>
             <a:r>
               <a:rPr lang="en-US" sz="2000" dirty="0" smtClean="0"/>
-              <a:t>Looking regression analysis, it’s clear that general attitudes don’t correlate well with happiness:</a:t>
+              <a:t>Looking </a:t>
+            </a:r>
+            <a:r>
+              <a:rPr lang="en-US" sz="2000" dirty="0" smtClean="0"/>
+              <a:t>at the regression </a:t>
+            </a:r>
+            <a:r>
+              <a:rPr lang="en-US" sz="2000" dirty="0" smtClean="0"/>
+              <a:t>analysis, it’s clear that general attitudes don’t correlate well with happiness:</a:t>
             </a:r>
           </a:p>
         </p:txBody>
@@ -15401,7 +15976,7 @@
           <p:nvPr>
             <p:extLst>
               <p:ext uri="{D42A27DB-BD31-4B8C-83A1-F6EECF244321}">
-                <p14:modId xmlns:p14="http://schemas.microsoft.com/office/powerpoint/2010/main" val="1900802955"/>
+                <p14:modId xmlns:p14="http://schemas.microsoft.com/office/powerpoint/2010/main" val="3094559317"/>
               </p:ext>
             </p:extLst>
           </p:nvPr>
@@ -15517,8 +16092,9 @@
                       </a:pPr>
                       <a:r>
                         <a:rPr lang="en-US" dirty="0" smtClean="0"/>
-                        <a:t>-0.016752</a:t>
+                        <a:t>0.011130</a:t>
                       </a:r>
+                      <a:endParaRPr lang="en-US" dirty="0" smtClean="0"/>
                     </a:p>
                   </a:txBody>
                   <a:tcPr/>
@@ -15563,8 +16139,9 @@
                       </a:pPr>
                       <a:r>
                         <a:rPr lang="en-US" dirty="0" smtClean="0"/>
-                        <a:t>0.071035</a:t>
+                        <a:t>0.033594</a:t>
                       </a:r>
+                      <a:endParaRPr lang="en-US" dirty="0" smtClean="0"/>
                     </a:p>
                   </a:txBody>
                   <a:tcPr/>
@@ -15609,8 +16186,9 @@
                       </a:pPr>
                       <a:r>
                         <a:rPr lang="en-US" dirty="0" smtClean="0"/>
-                        <a:t>0.016953</a:t>
+                        <a:t>0.003166</a:t>
                       </a:r>
+                      <a:endParaRPr lang="en-US" dirty="0" smtClean="0"/>
                     </a:p>
                   </a:txBody>
                   <a:tcPr/>
@@ -15671,8 +16249,9 @@
                       </a:pPr>
                       <a:r>
                         <a:rPr lang="en-US" dirty="0" smtClean="0"/>
-                        <a:t>0.016567</a:t>
+                        <a:t>0.012808</a:t>
                       </a:r>
+                      <a:endParaRPr lang="en-US" dirty="0" smtClean="0"/>
                     </a:p>
                   </a:txBody>
                   <a:tcPr/>
@@ -15755,7 +16334,312 @@
 </p:sld>
 </file>
 
-<file path=ppt/slides/slide18.xml><?xml version="1.0" encoding="utf-8"?>
+<file path=ppt/slides/slide2.xml><?xml version="1.0" encoding="utf-8"?>
+<p:sld xmlns:a="http://schemas.openxmlformats.org/drawingml/2006/main" xmlns:r="http://schemas.openxmlformats.org/officeDocument/2006/relationships" xmlns:p="http://schemas.openxmlformats.org/presentationml/2006/main">
+  <p:cSld>
+    <p:spTree>
+      <p:nvGrpSpPr>
+        <p:cNvPr id="1" name=""/>
+        <p:cNvGrpSpPr/>
+        <p:nvPr/>
+      </p:nvGrpSpPr>
+      <p:grpSpPr>
+        <a:xfrm>
+          <a:off x="0" y="0"/>
+          <a:ext cx="0" cy="0"/>
+          <a:chOff x="0" y="0"/>
+          <a:chExt cx="0" cy="0"/>
+        </a:xfrm>
+      </p:grpSpPr>
+      <p:sp>
+        <p:nvSpPr>
+          <p:cNvPr id="2" name="Title 1"/>
+          <p:cNvSpPr>
+            <a:spLocks noGrp="1"/>
+          </p:cNvSpPr>
+          <p:nvPr>
+            <p:ph type="title"/>
+          </p:nvPr>
+        </p:nvSpPr>
+        <p:spPr/>
+        <p:txBody>
+          <a:bodyPr/>
+          <a:lstStyle/>
+          <a:p>
+            <a:r>
+              <a:rPr lang="en-US" dirty="0" smtClean="0"/>
+              <a:t>What is Happiness?</a:t>
+            </a:r>
+            <a:endParaRPr lang="en-US" dirty="0"/>
+          </a:p>
+        </p:txBody>
+      </p:sp>
+      <p:pic>
+        <p:nvPicPr>
+          <p:cNvPr id="1026" name="Picture 2" descr="Is Happiness An Emotion And Does It Matter? - Not Quite Zen"/>
+          <p:cNvPicPr>
+            <a:picLocks noGrp="1" noChangeAspect="1" noChangeArrowheads="1"/>
+          </p:cNvPicPr>
+          <p:nvPr>
+            <p:ph idx="1"/>
+          </p:nvPr>
+        </p:nvPicPr>
+        <p:blipFill>
+          <a:blip r:embed="rId2" cstate="print">
+            <a:extLst>
+              <a:ext uri="{28A0092B-C50C-407E-A947-70E740481C1C}">
+                <a14:useLocalDpi xmlns:a14="http://schemas.microsoft.com/office/drawing/2010/main" val="0"/>
+              </a:ext>
+            </a:extLst>
+          </a:blip>
+          <a:srcRect/>
+          <a:stretch>
+            <a:fillRect/>
+          </a:stretch>
+        </p:blipFill>
+        <p:spPr bwMode="auto">
+          <a:xfrm>
+            <a:off x="1828800" y="2953613"/>
+            <a:ext cx="5262562" cy="2552700"/>
+          </a:xfrm>
+          <a:prstGeom prst="rect">
+            <a:avLst/>
+          </a:prstGeom>
+          <a:noFill/>
+          <a:extLst>
+            <a:ext uri="{909E8E84-426E-40DD-AFC4-6F175D3DCCD1}">
+              <a14:hiddenFill xmlns:a14="http://schemas.microsoft.com/office/drawing/2010/main">
+                <a:solidFill>
+                  <a:srgbClr val="FFFFFF"/>
+                </a:solidFill>
+              </a14:hiddenFill>
+            </a:ext>
+          </a:extLst>
+        </p:spPr>
+      </p:pic>
+      <p:sp>
+        <p:nvSpPr>
+          <p:cNvPr id="4" name="TextBox 3"/>
+          <p:cNvSpPr txBox="1"/>
+          <p:nvPr/>
+        </p:nvSpPr>
+        <p:spPr>
+          <a:xfrm>
+            <a:off x="1600200" y="2209798"/>
+            <a:ext cx="5799986" cy="646331"/>
+          </a:xfrm>
+          <a:prstGeom prst="rect">
+            <a:avLst/>
+          </a:prstGeom>
+          <a:noFill/>
+        </p:spPr>
+        <p:txBody>
+          <a:bodyPr wrap="none" rtlCol="0">
+            <a:spAutoFit/>
+          </a:bodyPr>
+          <a:lstStyle/>
+          <a:p>
+            <a:r>
+              <a:rPr lang="en-US" dirty="0" smtClean="0"/>
+              <a:t>MRI-Simmons’ “Survey of the American Consumer”</a:t>
+            </a:r>
+          </a:p>
+          <a:p>
+            <a:pPr algn="ctr"/>
+            <a:r>
+              <a:rPr lang="en-US" dirty="0" smtClean="0"/>
+              <a:t>asks this question:</a:t>
+            </a:r>
+            <a:endParaRPr lang="en-US" dirty="0"/>
+          </a:p>
+        </p:txBody>
+      </p:sp>
+      <p:sp>
+        <p:nvSpPr>
+          <p:cNvPr id="5" name="TextBox 4"/>
+          <p:cNvSpPr txBox="1"/>
+          <p:nvPr/>
+        </p:nvSpPr>
+        <p:spPr>
+          <a:xfrm>
+            <a:off x="2209800" y="3352800"/>
+            <a:ext cx="2730235" cy="1754326"/>
+          </a:xfrm>
+          <a:prstGeom prst="rect">
+            <a:avLst/>
+          </a:prstGeom>
+          <a:noFill/>
+        </p:spPr>
+        <p:txBody>
+          <a:bodyPr wrap="none" rtlCol="0">
+            <a:spAutoFit/>
+          </a:bodyPr>
+          <a:lstStyle/>
+          <a:p>
+            <a:r>
+              <a:rPr lang="en-US" dirty="0" smtClean="0">
+                <a:solidFill>
+                  <a:schemeClr val="bg1"/>
+                </a:solidFill>
+              </a:rPr>
+              <a:t>I am happy with my</a:t>
+            </a:r>
+          </a:p>
+          <a:p>
+            <a:r>
+              <a:rPr lang="en-US" dirty="0">
+                <a:solidFill>
+                  <a:schemeClr val="bg1"/>
+                </a:solidFill>
+              </a:rPr>
+              <a:t>s</a:t>
+            </a:r>
+            <a:r>
+              <a:rPr lang="en-US" dirty="0" smtClean="0">
+                <a:solidFill>
+                  <a:schemeClr val="bg1"/>
+                </a:solidFill>
+              </a:rPr>
+              <a:t>tandard of living:</a:t>
+            </a:r>
+          </a:p>
+          <a:p>
+            <a:pPr marL="285750" indent="-285750">
+              <a:buFontTx/>
+              <a:buChar char="-"/>
+            </a:pPr>
+            <a:r>
+              <a:rPr lang="en-US" dirty="0" smtClean="0">
+                <a:solidFill>
+                  <a:schemeClr val="bg1"/>
+                </a:solidFill>
+              </a:rPr>
+              <a:t>Agree Strongly</a:t>
+            </a:r>
+          </a:p>
+          <a:p>
+            <a:pPr marL="285750" indent="-285750">
+              <a:buFontTx/>
+              <a:buChar char="-"/>
+            </a:pPr>
+            <a:r>
+              <a:rPr lang="en-US" dirty="0" smtClean="0">
+                <a:solidFill>
+                  <a:schemeClr val="bg1"/>
+                </a:solidFill>
+              </a:rPr>
+              <a:t>Agree Somewhat</a:t>
+            </a:r>
+          </a:p>
+          <a:p>
+            <a:pPr marL="285750" indent="-285750">
+              <a:buFontTx/>
+              <a:buChar char="-"/>
+            </a:pPr>
+            <a:r>
+              <a:rPr lang="en-US" dirty="0" smtClean="0">
+                <a:solidFill>
+                  <a:schemeClr val="bg1"/>
+                </a:solidFill>
+              </a:rPr>
+              <a:t>Disagree Somewhat</a:t>
+            </a:r>
+          </a:p>
+          <a:p>
+            <a:pPr marL="285750" indent="-285750">
+              <a:buFontTx/>
+              <a:buChar char="-"/>
+            </a:pPr>
+            <a:r>
+              <a:rPr lang="en-US" dirty="0" smtClean="0">
+                <a:solidFill>
+                  <a:schemeClr val="bg1"/>
+                </a:solidFill>
+              </a:rPr>
+              <a:t>Disagree Strongly</a:t>
+            </a:r>
+            <a:endParaRPr lang="en-US" dirty="0">
+              <a:solidFill>
+                <a:schemeClr val="bg1"/>
+              </a:solidFill>
+            </a:endParaRPr>
+          </a:p>
+        </p:txBody>
+      </p:sp>
+      <p:sp>
+        <p:nvSpPr>
+          <p:cNvPr id="7" name="TextBox 6"/>
+          <p:cNvSpPr txBox="1"/>
+          <p:nvPr/>
+        </p:nvSpPr>
+        <p:spPr>
+          <a:xfrm>
+            <a:off x="2618337" y="5638800"/>
+            <a:ext cx="3935693" cy="369332"/>
+          </a:xfrm>
+          <a:prstGeom prst="rect">
+            <a:avLst/>
+          </a:prstGeom>
+          <a:noFill/>
+        </p:spPr>
+        <p:txBody>
+          <a:bodyPr wrap="none" rtlCol="0">
+            <a:spAutoFit/>
+          </a:bodyPr>
+          <a:lstStyle/>
+          <a:p>
+            <a:r>
+              <a:rPr lang="en-US" dirty="0" smtClean="0"/>
+              <a:t>But what is the root of happiness?</a:t>
+            </a:r>
+            <a:endParaRPr lang="en-US" dirty="0"/>
+          </a:p>
+        </p:txBody>
+      </p:sp>
+      <p:sp>
+        <p:nvSpPr>
+          <p:cNvPr id="6" name="TextBox 5"/>
+          <p:cNvSpPr txBox="1"/>
+          <p:nvPr/>
+        </p:nvSpPr>
+        <p:spPr>
+          <a:xfrm>
+            <a:off x="5029200" y="76200"/>
+            <a:ext cx="2837636" cy="369332"/>
+          </a:xfrm>
+          <a:prstGeom prst="rect">
+            <a:avLst/>
+          </a:prstGeom>
+          <a:noFill/>
+        </p:spPr>
+        <p:txBody>
+          <a:bodyPr wrap="none" rtlCol="0">
+            <a:spAutoFit/>
+          </a:bodyPr>
+          <a:lstStyle/>
+          <a:p>
+            <a:r>
+              <a:rPr lang="en-US" b="1" dirty="0" smtClean="0"/>
+              <a:t>The Pursuit of Happiness</a:t>
+            </a:r>
+            <a:endParaRPr lang="en-US" b="1" dirty="0"/>
+          </a:p>
+        </p:txBody>
+      </p:sp>
+    </p:spTree>
+    <p:extLst>
+      <p:ext uri="{BB962C8B-B14F-4D97-AF65-F5344CB8AC3E}">
+        <p14:creationId xmlns:p14="http://schemas.microsoft.com/office/powerpoint/2010/main" val="3233059728"/>
+      </p:ext>
+    </p:extLst>
+  </p:cSld>
+  <p:clrMapOvr>
+    <a:masterClrMapping/>
+  </p:clrMapOvr>
+</p:sld>
+</file>
+
+<file path=ppt/slides/slide20.xml><?xml version="1.0" encoding="utf-8"?>
 <p:sld xmlns:a="http://schemas.openxmlformats.org/drawingml/2006/main" xmlns:r="http://schemas.openxmlformats.org/officeDocument/2006/relationships" xmlns:p="http://schemas.openxmlformats.org/presentationml/2006/main">
   <p:cSld>
     <p:spTree>
@@ -16141,7 +17025,7 @@
 </p:sld>
 </file>
 
-<file path=ppt/slides/slide2.xml><?xml version="1.0" encoding="utf-8"?>
+<file path=ppt/slides/slide21.xml><?xml version="1.0" encoding="utf-8"?>
 <p:sld xmlns:a="http://schemas.openxmlformats.org/drawingml/2006/main" xmlns:r="http://schemas.openxmlformats.org/officeDocument/2006/relationships" xmlns:p="http://schemas.openxmlformats.org/presentationml/2006/main">
   <p:cSld>
     <p:spTree>
@@ -16175,7 +17059,7 @@
           <a:p>
             <a:r>
               <a:rPr lang="en-US" dirty="0" smtClean="0"/>
-              <a:t>What is Happiness?</a:t>
+              <a:t>Putting It All Together</a:t>
             </a:r>
             <a:endParaRPr lang="en-US" dirty="0"/>
           </a:p>
@@ -16183,7 +17067,7 @@
       </p:sp>
       <p:pic>
         <p:nvPicPr>
-          <p:cNvPr id="1026" name="Picture 2" descr="Is Happiness An Emotion And Does It Matter? - Not Quite Zen"/>
+          <p:cNvPr id="10242" name="Picture 2"/>
           <p:cNvPicPr>
             <a:picLocks noGrp="1" noChangeAspect="1" noChangeArrowheads="1"/>
           </p:cNvPicPr>
@@ -16192,7 +17076,7 @@
           </p:nvPr>
         </p:nvPicPr>
         <p:blipFill>
-          <a:blip r:embed="rId2" cstate="print">
+          <a:blip r:embed="rId2">
             <a:extLst>
               <a:ext uri="{28A0092B-C50C-407E-A947-70E740481C1C}">
                 <a14:useLocalDpi xmlns:a14="http://schemas.microsoft.com/office/drawing/2010/main" val="0"/>
@@ -16206,20 +17090,33 @@
         </p:blipFill>
         <p:spPr bwMode="auto">
           <a:xfrm>
-            <a:off x="1828800" y="2953613"/>
-            <a:ext cx="5262562" cy="2552700"/>
+            <a:off x="838200" y="2286000"/>
+            <a:ext cx="4934119" cy="2971800"/>
           </a:xfrm>
           <a:prstGeom prst="rect">
             <a:avLst/>
           </a:prstGeom>
           <a:noFill/>
+          <a:ln>
+            <a:noFill/>
+          </a:ln>
           <a:extLst>
             <a:ext uri="{909E8E84-426E-40DD-AFC4-6F175D3DCCD1}">
               <a14:hiddenFill xmlns:a14="http://schemas.microsoft.com/office/drawing/2010/main">
                 <a:solidFill>
-                  <a:srgbClr val="FFFFFF"/>
+                  <a:schemeClr val="accent1"/>
                 </a:solidFill>
               </a14:hiddenFill>
+            </a:ext>
+            <a:ext uri="{91240B29-F687-4F45-9708-019B960494DF}">
+              <a14:hiddenLine xmlns:a14="http://schemas.microsoft.com/office/drawing/2010/main" w="9525">
+                <a:solidFill>
+                  <a:schemeClr val="tx1"/>
+                </a:solidFill>
+                <a:miter lim="800000"/>
+                <a:headEnd/>
+                <a:tailEnd/>
+              </a14:hiddenLine>
             </a:ext>
           </a:extLst>
         </p:spPr>
@@ -16232,8 +17129,8 @@
         </p:nvSpPr>
         <p:spPr>
           <a:xfrm>
-            <a:off x="1600200" y="2209798"/>
-            <a:ext cx="5799986" cy="646331"/>
+            <a:off x="1295400" y="5257800"/>
+            <a:ext cx="6034024" cy="1200329"/>
           </a:xfrm>
           <a:prstGeom prst="rect">
             <a:avLst/>
@@ -16247,168 +17144,82 @@
           <a:lstStyle/>
           <a:p>
             <a:r>
-              <a:rPr lang="en-US" dirty="0" smtClean="0"/>
-              <a:t>MRI-Simmons’ “Survey </a:t>
-            </a:r>
-            <a:r>
-              <a:rPr lang="en-US" dirty="0" smtClean="0"/>
-              <a:t>of the American </a:t>
-            </a:r>
-            <a:r>
-              <a:rPr lang="en-US" dirty="0" smtClean="0"/>
-              <a:t>Consumer”</a:t>
-            </a:r>
-            <a:endParaRPr lang="en-US" dirty="0" smtClean="0"/>
-          </a:p>
-          <a:p>
-            <a:pPr algn="ctr"/>
-            <a:r>
-              <a:rPr lang="en-US" dirty="0" smtClean="0"/>
-              <a:t>asks this question:</a:t>
-            </a:r>
-            <a:endParaRPr lang="en-US" dirty="0"/>
-          </a:p>
-        </p:txBody>
-      </p:sp>
-      <p:sp>
-        <p:nvSpPr>
-          <p:cNvPr id="5" name="TextBox 4"/>
-          <p:cNvSpPr txBox="1"/>
-          <p:nvPr/>
-        </p:nvSpPr>
-        <p:spPr>
-          <a:xfrm>
-            <a:off x="2209800" y="3352800"/>
-            <a:ext cx="2730235" cy="1754326"/>
-          </a:xfrm>
-          <a:prstGeom prst="rect">
-            <a:avLst/>
-          </a:prstGeom>
-          <a:noFill/>
-        </p:spPr>
-        <p:txBody>
-          <a:bodyPr wrap="none" rtlCol="0">
-            <a:spAutoFit/>
-          </a:bodyPr>
-          <a:lstStyle/>
-          <a:p>
-            <a:r>
-              <a:rPr lang="en-US" dirty="0" smtClean="0">
-                <a:solidFill>
-                  <a:schemeClr val="bg1"/>
-                </a:solidFill>
-              </a:rPr>
-              <a:t>I am happy with my</a:t>
-            </a:r>
-          </a:p>
-          <a:p>
-            <a:r>
-              <a:rPr lang="en-US" dirty="0">
-                <a:solidFill>
-                  <a:schemeClr val="bg1"/>
-                </a:solidFill>
-              </a:rPr>
-              <a:t>s</a:t>
-            </a:r>
-            <a:r>
-              <a:rPr lang="en-US" dirty="0" smtClean="0">
-                <a:solidFill>
-                  <a:schemeClr val="bg1"/>
-                </a:solidFill>
-              </a:rPr>
-              <a:t>tandard of living:</a:t>
-            </a:r>
-          </a:p>
-          <a:p>
-            <a:pPr marL="285750" indent="-285750">
-              <a:buFontTx/>
-              <a:buChar char="-"/>
-            </a:pPr>
-            <a:r>
-              <a:rPr lang="en-US" dirty="0" smtClean="0">
-                <a:solidFill>
-                  <a:schemeClr val="bg1"/>
-                </a:solidFill>
-              </a:rPr>
-              <a:t>Agree Strongly</a:t>
-            </a:r>
-          </a:p>
-          <a:p>
-            <a:pPr marL="285750" indent="-285750">
-              <a:buFontTx/>
-              <a:buChar char="-"/>
-            </a:pPr>
-            <a:r>
-              <a:rPr lang="en-US" dirty="0" smtClean="0">
-                <a:solidFill>
-                  <a:schemeClr val="bg1"/>
-                </a:solidFill>
-              </a:rPr>
-              <a:t>Agree Somewhat</a:t>
-            </a:r>
-          </a:p>
-          <a:p>
-            <a:pPr marL="285750" indent="-285750">
-              <a:buFontTx/>
-              <a:buChar char="-"/>
-            </a:pPr>
-            <a:r>
-              <a:rPr lang="en-US" dirty="0" smtClean="0">
-                <a:solidFill>
-                  <a:schemeClr val="bg1"/>
-                </a:solidFill>
-              </a:rPr>
-              <a:t>Disagree Somewhat</a:t>
-            </a:r>
-          </a:p>
-          <a:p>
-            <a:pPr marL="285750" indent="-285750">
-              <a:buFontTx/>
-              <a:buChar char="-"/>
-            </a:pPr>
-            <a:r>
-              <a:rPr lang="en-US" dirty="0" smtClean="0">
-                <a:solidFill>
-                  <a:schemeClr val="bg1"/>
-                </a:solidFill>
-              </a:rPr>
-              <a:t>Disagree Strongly</a:t>
-            </a:r>
-            <a:endParaRPr lang="en-US" dirty="0">
-              <a:solidFill>
-                <a:schemeClr val="bg1"/>
-              </a:solidFill>
-            </a:endParaRPr>
-          </a:p>
-        </p:txBody>
-      </p:sp>
-      <p:sp>
-        <p:nvSpPr>
-          <p:cNvPr id="7" name="TextBox 6"/>
-          <p:cNvSpPr txBox="1"/>
-          <p:nvPr/>
-        </p:nvSpPr>
-        <p:spPr>
-          <a:xfrm>
-            <a:off x="2618337" y="5638800"/>
-            <a:ext cx="3935693" cy="369332"/>
-          </a:xfrm>
-          <a:prstGeom prst="rect">
-            <a:avLst/>
-          </a:prstGeom>
-          <a:noFill/>
-        </p:spPr>
-        <p:txBody>
-          <a:bodyPr wrap="none" rtlCol="0">
-            <a:spAutoFit/>
-          </a:bodyPr>
-          <a:lstStyle/>
-          <a:p>
-            <a:r>
-              <a:rPr lang="en-US" dirty="0" smtClean="0"/>
-              <a:t>But what is the root of happiness?</a:t>
-            </a:r>
-            <a:endParaRPr lang="en-US" dirty="0"/>
+              <a:rPr lang="en-US" sz="800" dirty="0"/>
+              <a:t>key	n	mean	mode	</a:t>
+            </a:r>
+            <a:r>
+              <a:rPr lang="en-US" sz="800" dirty="0" err="1"/>
+              <a:t>var</a:t>
+            </a:r>
+            <a:r>
+              <a:rPr lang="en-US" sz="800" dirty="0"/>
+              <a:t>	</a:t>
+            </a:r>
+            <a:r>
+              <a:rPr lang="en-US" sz="800" dirty="0" err="1"/>
+              <a:t>std</a:t>
+            </a:r>
+            <a:r>
+              <a:rPr lang="en-US" sz="800" dirty="0"/>
+              <a:t>	cv</a:t>
+            </a:r>
+          </a:p>
+          <a:p>
+            <a:r>
+              <a:rPr lang="en-US" sz="800" dirty="0"/>
+              <a:t>All </a:t>
+            </a:r>
+            <a:r>
+              <a:rPr lang="en-US" sz="800" dirty="0" err="1"/>
+              <a:t>Yrs</a:t>
+            </a:r>
+            <a:r>
+              <a:rPr lang="en-US" sz="800" dirty="0"/>
+              <a:t>	201216	14.41	15.00	5.42	2.33	0.1616</a:t>
+            </a:r>
+          </a:p>
+          <a:p>
+            <a:r>
+              <a:rPr lang="en-US" sz="800" dirty="0"/>
+              <a:t>2021	23964	14.49	15.00	4.83	2.20	0.1517</a:t>
+            </a:r>
+          </a:p>
+          <a:p>
+            <a:r>
+              <a:rPr lang="en-US" sz="800" dirty="0"/>
+              <a:t>2022	48668	14.48	15.00	5.04	2.25	0.1551</a:t>
+            </a:r>
+          </a:p>
+          <a:p>
+            <a:r>
+              <a:rPr lang="en-US" sz="800" dirty="0"/>
+              <a:t>2023	51409	14.38	15.00	5.57	2.36	0.1642</a:t>
+            </a:r>
+          </a:p>
+          <a:p>
+            <a:r>
+              <a:rPr lang="en-US" sz="800" dirty="0"/>
+              <a:t>2024	51480	14.36	15.00	5.67	2.38	0.1659</a:t>
+            </a:r>
+          </a:p>
+          <a:p>
+            <a:endParaRPr lang="en-US" sz="800" dirty="0" smtClean="0"/>
+          </a:p>
+          <a:p>
+            <a:r>
+              <a:rPr lang="en-US" sz="800" dirty="0" smtClean="0"/>
+              <a:t>Skew</a:t>
+            </a:r>
+            <a:r>
+              <a:rPr lang="en-US" sz="800" dirty="0"/>
+              <a:t>: -0.33384306226253624</a:t>
+            </a:r>
+          </a:p>
+          <a:p>
+            <a:r>
+              <a:rPr lang="en-US" sz="800" dirty="0"/>
+              <a:t>Kurtosis: 1.0775</a:t>
+            </a:r>
           </a:p>
         </p:txBody>
       </p:sp>
@@ -16442,10 +17253,82 @@
           </a:p>
         </p:txBody>
       </p:sp>
+      <p:sp>
+        <p:nvSpPr>
+          <p:cNvPr id="5" name="TextBox 4"/>
+          <p:cNvSpPr txBox="1"/>
+          <p:nvPr/>
+        </p:nvSpPr>
+        <p:spPr>
+          <a:xfrm>
+            <a:off x="5715000" y="2362200"/>
+            <a:ext cx="2945037" cy="2308324"/>
+          </a:xfrm>
+          <a:prstGeom prst="rect">
+            <a:avLst/>
+          </a:prstGeom>
+          <a:noFill/>
+        </p:spPr>
+        <p:txBody>
+          <a:bodyPr wrap="none" rtlCol="0">
+            <a:spAutoFit/>
+          </a:bodyPr>
+          <a:lstStyle/>
+          <a:p>
+            <a:r>
+              <a:rPr lang="en-US" dirty="0" smtClean="0"/>
+              <a:t>Happiness is an elusive</a:t>
+            </a:r>
+          </a:p>
+          <a:p>
+            <a:r>
+              <a:rPr lang="en-US" dirty="0" smtClean="0"/>
+              <a:t>trait.  You’ll find it, not in</a:t>
+            </a:r>
+          </a:p>
+          <a:p>
+            <a:r>
+              <a:rPr lang="en-US" dirty="0" smtClean="0"/>
+              <a:t>the grand measures of</a:t>
+            </a:r>
+          </a:p>
+          <a:p>
+            <a:r>
+              <a:rPr lang="en-US" dirty="0" smtClean="0"/>
+              <a:t>health, wealth, love, or</a:t>
+            </a:r>
+          </a:p>
+          <a:p>
+            <a:r>
+              <a:rPr lang="en-US" dirty="0" smtClean="0"/>
+              <a:t>faith, but in the small</a:t>
+            </a:r>
+          </a:p>
+          <a:p>
+            <a:r>
+              <a:rPr lang="en-US" dirty="0" smtClean="0"/>
+              <a:t>measurements that only </a:t>
+            </a:r>
+          </a:p>
+          <a:p>
+            <a:r>
+              <a:rPr lang="en-US" dirty="0" smtClean="0"/>
+              <a:t>become apparent with</a:t>
+            </a:r>
+          </a:p>
+          <a:p>
+            <a:r>
+              <a:rPr lang="en-US" dirty="0" smtClean="0"/>
+              <a:t>detailed analysis.</a:t>
+            </a:r>
+            <a:endParaRPr lang="en-US" dirty="0"/>
+          </a:p>
+        </p:txBody>
+      </p:sp>
     </p:spTree>
     <p:extLst>
       <p:ext uri="{BB962C8B-B14F-4D97-AF65-F5344CB8AC3E}">
-        <p14:creationId xmlns:p14="http://schemas.microsoft.com/office/powerpoint/2010/main" val="3233059728"/>
+        <p14:creationId xmlns:p14="http://schemas.microsoft.com/office/powerpoint/2010/main" val="3637259399"/>
       </p:ext>
     </p:extLst>
   </p:cSld>
@@ -17217,9 +18100,182 @@
           </a:p>
         </p:txBody>
       </p:sp>
+      <p:sp>
+        <p:nvSpPr>
+          <p:cNvPr id="4" name="TextBox 3"/>
+          <p:cNvSpPr txBox="1"/>
+          <p:nvPr/>
+        </p:nvSpPr>
+        <p:spPr>
+          <a:xfrm>
+            <a:off x="5867400" y="2209800"/>
+            <a:ext cx="2590800" cy="2554545"/>
+          </a:xfrm>
+          <a:prstGeom prst="rect">
+            <a:avLst/>
+          </a:prstGeom>
+          <a:noFill/>
+        </p:spPr>
+        <p:txBody>
+          <a:bodyPr wrap="square" rtlCol="0">
+            <a:spAutoFit/>
+          </a:bodyPr>
+          <a:lstStyle/>
+          <a:p>
+            <a:r>
+              <a:rPr lang="en-US" sz="1600" dirty="0" smtClean="0"/>
+              <a:t>The sum of the answers to the health questions produces a normal </a:t>
+            </a:r>
+            <a:r>
+              <a:rPr lang="en-US" sz="1600" dirty="0" smtClean="0"/>
+              <a:t>distribution with a positive right skew, </a:t>
+            </a:r>
+            <a:r>
+              <a:rPr lang="en-US" sz="1600" dirty="0" smtClean="0"/>
+              <a:t>with outliers at the high end who are particularly health conscious</a:t>
+            </a:r>
+            <a:r>
+              <a:rPr lang="en-US" sz="1600" dirty="0" smtClean="0"/>
+              <a:t>.  Based on this, more people are less healthy.</a:t>
+            </a:r>
+            <a:endParaRPr lang="en-US" sz="1600" dirty="0"/>
+          </a:p>
+        </p:txBody>
+      </p:sp>
+      <p:sp>
+        <p:nvSpPr>
+          <p:cNvPr id="6" name="TextBox 5"/>
+          <p:cNvSpPr txBox="1"/>
+          <p:nvPr/>
+        </p:nvSpPr>
+        <p:spPr>
+          <a:xfrm>
+            <a:off x="1295400" y="5029200"/>
+            <a:ext cx="6231524" cy="954107"/>
+          </a:xfrm>
+          <a:prstGeom prst="rect">
+            <a:avLst/>
+          </a:prstGeom>
+          <a:noFill/>
+        </p:spPr>
+        <p:txBody>
+          <a:bodyPr wrap="square" rtlCol="0">
+            <a:spAutoFit/>
+          </a:bodyPr>
+          <a:lstStyle/>
+          <a:p>
+            <a:r>
+              <a:rPr lang="en-US" sz="700" dirty="0"/>
+              <a:t>key	n	mean	mode	</a:t>
+            </a:r>
+            <a:r>
+              <a:rPr lang="en-US" sz="700" dirty="0" err="1"/>
+              <a:t>var</a:t>
+            </a:r>
+            <a:r>
+              <a:rPr lang="en-US" sz="700" dirty="0"/>
+              <a:t>	</a:t>
+            </a:r>
+            <a:r>
+              <a:rPr lang="en-US" sz="700" dirty="0" err="1"/>
+              <a:t>std</a:t>
+            </a:r>
+            <a:r>
+              <a:rPr lang="en-US" sz="700" dirty="0"/>
+              <a:t>	cv</a:t>
+            </a:r>
+          </a:p>
+          <a:p>
+            <a:r>
+              <a:rPr lang="en-US" sz="700" dirty="0"/>
+              <a:t>All </a:t>
+            </a:r>
+            <a:r>
+              <a:rPr lang="en-US" sz="700" dirty="0" err="1"/>
+              <a:t>Yrs</a:t>
+            </a:r>
+            <a:r>
+              <a:rPr lang="en-US" sz="700" dirty="0"/>
+              <a:t>	201216	12.52	12.00	6.32	2.51	0.2009</a:t>
+            </a:r>
+          </a:p>
+          <a:p>
+            <a:r>
+              <a:rPr lang="en-US" sz="700" dirty="0"/>
+              <a:t>2021	23964	12.59	13.00	4.88	2.21	0.1754</a:t>
+            </a:r>
+          </a:p>
+          <a:p>
+            <a:r>
+              <a:rPr lang="en-US" sz="700" dirty="0"/>
+              <a:t>2022	48668	12.50	12.00	6.25	2.50	0.2000</a:t>
+            </a:r>
+          </a:p>
+          <a:p>
+            <a:r>
+              <a:rPr lang="en-US" sz="700" dirty="0"/>
+              <a:t>2023	51409	12.55	12.00	6.54	2.56	0.2038</a:t>
+            </a:r>
+          </a:p>
+          <a:p>
+            <a:r>
+              <a:rPr lang="en-US" sz="700" dirty="0"/>
+              <a:t>2024	51480	12.47	12.00	6.68	2.58	0.2072</a:t>
+            </a:r>
+          </a:p>
+          <a:p>
+            <a:endParaRPr lang="en-US" sz="700" dirty="0" smtClean="0"/>
+          </a:p>
+          <a:p>
+            <a:r>
+              <a:rPr lang="en-US" sz="700" dirty="0" smtClean="0"/>
+              <a:t>Skew</a:t>
+            </a:r>
+            <a:r>
+              <a:rPr lang="en-US" sz="700" dirty="0"/>
+              <a:t>:  </a:t>
+            </a:r>
+            <a:r>
+              <a:rPr lang="en-US" sz="700" dirty="0" smtClean="0"/>
+              <a:t>0.0451</a:t>
+            </a:r>
+            <a:endParaRPr lang="en-US" sz="700" dirty="0"/>
+          </a:p>
+        </p:txBody>
+      </p:sp>
+      <p:sp>
+        <p:nvSpPr>
+          <p:cNvPr id="7" name="TextBox 6"/>
+          <p:cNvSpPr txBox="1"/>
+          <p:nvPr/>
+        </p:nvSpPr>
+        <p:spPr>
+          <a:xfrm>
+            <a:off x="5029200" y="76200"/>
+            <a:ext cx="2837636" cy="369332"/>
+          </a:xfrm>
+          <a:prstGeom prst="rect">
+            <a:avLst/>
+          </a:prstGeom>
+          <a:noFill/>
+        </p:spPr>
+        <p:txBody>
+          <a:bodyPr wrap="none" rtlCol="0">
+            <a:spAutoFit/>
+          </a:bodyPr>
+          <a:lstStyle/>
+          <a:p>
+            <a:r>
+              <a:rPr lang="en-US" b="1" dirty="0" smtClean="0"/>
+              <a:t>The Pursuit of Happiness</a:t>
+            </a:r>
+            <a:endParaRPr lang="en-US" b="1" dirty="0"/>
+          </a:p>
+        </p:txBody>
+      </p:sp>
       <p:pic>
         <p:nvPicPr>
-          <p:cNvPr id="2050" name="Picture 2"/>
+          <p:cNvPr id="2051" name="Picture 3"/>
           <p:cNvPicPr>
             <a:picLocks noGrp="1" noChangeAspect="1" noChangeArrowheads="1"/>
           </p:cNvPicPr>
@@ -17242,8 +18298,8 @@
         </p:blipFill>
         <p:spPr bwMode="auto">
           <a:xfrm>
-            <a:off x="838200" y="2209801"/>
-            <a:ext cx="5051758" cy="2667000"/>
+            <a:off x="914400" y="2209801"/>
+            <a:ext cx="4826808" cy="2819400"/>
           </a:xfrm>
           <a:prstGeom prst="rect">
             <a:avLst/>
@@ -17273,150 +18329,6 @@
           </a:extLst>
         </p:spPr>
       </p:pic>
-      <p:sp>
-        <p:nvSpPr>
-          <p:cNvPr id="4" name="TextBox 3"/>
-          <p:cNvSpPr txBox="1"/>
-          <p:nvPr/>
-        </p:nvSpPr>
-        <p:spPr>
-          <a:xfrm>
-            <a:off x="5943600" y="2209800"/>
-            <a:ext cx="2514600" cy="2585323"/>
-          </a:xfrm>
-          <a:prstGeom prst="rect">
-            <a:avLst/>
-          </a:prstGeom>
-          <a:noFill/>
-        </p:spPr>
-        <p:txBody>
-          <a:bodyPr wrap="square" rtlCol="0">
-            <a:spAutoFit/>
-          </a:bodyPr>
-          <a:lstStyle/>
-          <a:p>
-            <a:r>
-              <a:rPr lang="en-US" dirty="0" smtClean="0"/>
-              <a:t>The sum of the answers to the health questions produces a normal distribution, with outliers at the high end who are particularly health conscious.</a:t>
-            </a:r>
-            <a:endParaRPr lang="en-US" dirty="0"/>
-          </a:p>
-        </p:txBody>
-      </p:sp>
-      <p:sp>
-        <p:nvSpPr>
-          <p:cNvPr id="6" name="TextBox 5"/>
-          <p:cNvSpPr txBox="1"/>
-          <p:nvPr/>
-        </p:nvSpPr>
-        <p:spPr>
-          <a:xfrm>
-            <a:off x="1295400" y="5029200"/>
-            <a:ext cx="6231524" cy="738664"/>
-          </a:xfrm>
-          <a:prstGeom prst="rect">
-            <a:avLst/>
-          </a:prstGeom>
-          <a:noFill/>
-        </p:spPr>
-        <p:txBody>
-          <a:bodyPr wrap="square" rtlCol="0">
-            <a:spAutoFit/>
-          </a:bodyPr>
-          <a:lstStyle/>
-          <a:p>
-            <a:r>
-              <a:rPr lang="en-US" sz="700" dirty="0" smtClean="0"/>
-              <a:t>key	n	mean	mode	</a:t>
-            </a:r>
-            <a:r>
-              <a:rPr lang="en-US" sz="700" dirty="0" err="1" smtClean="0"/>
-              <a:t>var</a:t>
-            </a:r>
-            <a:r>
-              <a:rPr lang="en-US" sz="700" dirty="0" smtClean="0"/>
-              <a:t>	</a:t>
-            </a:r>
-            <a:r>
-              <a:rPr lang="en-US" sz="700" dirty="0" err="1" smtClean="0"/>
-              <a:t>std</a:t>
-            </a:r>
-            <a:r>
-              <a:rPr lang="en-US" sz="700" dirty="0" smtClean="0"/>
-              <a:t>	cv</a:t>
-            </a:r>
-          </a:p>
-          <a:p>
-            <a:r>
-              <a:rPr lang="en-US" sz="700" dirty="0" smtClean="0"/>
-              <a:t>All </a:t>
-            </a:r>
-            <a:r>
-              <a:rPr lang="en-US" sz="700" dirty="0" err="1" smtClean="0"/>
-              <a:t>Yrs</a:t>
-            </a:r>
-            <a:r>
-              <a:rPr lang="en-US" sz="700" dirty="0" smtClean="0"/>
-              <a:t>	201216	6.64	6.00	3.59	1.90	0.2855</a:t>
-            </a:r>
-          </a:p>
-          <a:p>
-            <a:r>
-              <a:rPr lang="en-US" sz="700" dirty="0" smtClean="0"/>
-              <a:t>2021	23964	6.76	7.00	2.58	1.61	0.2377</a:t>
-            </a:r>
-          </a:p>
-          <a:p>
-            <a:r>
-              <a:rPr lang="en-US" sz="700" dirty="0" smtClean="0"/>
-              <a:t>2022	48668	6.61	6.00	3.58	1.89	0.2859</a:t>
-            </a:r>
-          </a:p>
-          <a:p>
-            <a:r>
-              <a:rPr lang="en-US" sz="700" dirty="0" smtClean="0"/>
-              <a:t>2023	51409	6.64	6.00	3.75	1.94	0.2914</a:t>
-            </a:r>
-          </a:p>
-          <a:p>
-            <a:r>
-              <a:rPr lang="en-US" sz="700" dirty="0" smtClean="0"/>
-              <a:t>2024	51480	6.60	6.00	3.80	1.95	0.2954</a:t>
-            </a:r>
-            <a:endParaRPr lang="en-US" sz="700" dirty="0"/>
-          </a:p>
-        </p:txBody>
-      </p:sp>
-      <p:sp>
-        <p:nvSpPr>
-          <p:cNvPr id="7" name="TextBox 6"/>
-          <p:cNvSpPr txBox="1"/>
-          <p:nvPr/>
-        </p:nvSpPr>
-        <p:spPr>
-          <a:xfrm>
-            <a:off x="5029200" y="76200"/>
-            <a:ext cx="2837636" cy="369332"/>
-          </a:xfrm>
-          <a:prstGeom prst="rect">
-            <a:avLst/>
-          </a:prstGeom>
-          <a:noFill/>
-        </p:spPr>
-        <p:txBody>
-          <a:bodyPr wrap="none" rtlCol="0">
-            <a:spAutoFit/>
-          </a:bodyPr>
-          <a:lstStyle/>
-          <a:p>
-            <a:r>
-              <a:rPr lang="en-US" b="1" dirty="0" smtClean="0"/>
-              <a:t>The Pursuit of Happiness</a:t>
-            </a:r>
-            <a:endParaRPr lang="en-US" b="1" dirty="0"/>
-          </a:p>
-        </p:txBody>
-      </p:sp>
     </p:spTree>
     <p:extLst>
       <p:ext uri="{BB962C8B-B14F-4D97-AF65-F5344CB8AC3E}">
@@ -17470,9 +18382,170 @@
           </a:p>
         </p:txBody>
       </p:sp>
+      <p:sp>
+        <p:nvSpPr>
+          <p:cNvPr id="4" name="TextBox 3"/>
+          <p:cNvSpPr txBox="1"/>
+          <p:nvPr/>
+        </p:nvSpPr>
+        <p:spPr>
+          <a:xfrm>
+            <a:off x="5867400" y="2286000"/>
+            <a:ext cx="2514600" cy="2031325"/>
+          </a:xfrm>
+          <a:prstGeom prst="rect">
+            <a:avLst/>
+          </a:prstGeom>
+          <a:noFill/>
+        </p:spPr>
+        <p:txBody>
+          <a:bodyPr wrap="square" rtlCol="0">
+            <a:spAutoFit/>
+          </a:bodyPr>
+          <a:lstStyle/>
+          <a:p>
+            <a:r>
+              <a:rPr lang="en-US" dirty="0" smtClean="0"/>
+              <a:t>Answers to wealth-correlated questions produce a </a:t>
+            </a:r>
+            <a:r>
+              <a:rPr lang="en-US" dirty="0" smtClean="0"/>
+              <a:t>negatively skewed distribution.  More people are making more money.</a:t>
+            </a:r>
+            <a:endParaRPr lang="en-US" dirty="0"/>
+          </a:p>
+        </p:txBody>
+      </p:sp>
+      <p:sp>
+        <p:nvSpPr>
+          <p:cNvPr id="5" name="TextBox 4"/>
+          <p:cNvSpPr txBox="1"/>
+          <p:nvPr/>
+        </p:nvSpPr>
+        <p:spPr>
+          <a:xfrm>
+            <a:off x="1524000" y="5086478"/>
+            <a:ext cx="6034024" cy="1077218"/>
+          </a:xfrm>
+          <a:prstGeom prst="rect">
+            <a:avLst/>
+          </a:prstGeom>
+          <a:noFill/>
+        </p:spPr>
+        <p:txBody>
+          <a:bodyPr wrap="none" rtlCol="0">
+            <a:spAutoFit/>
+          </a:bodyPr>
+          <a:lstStyle/>
+          <a:p>
+            <a:r>
+              <a:rPr lang="en-US" sz="800" dirty="0"/>
+              <a:t>key	n	mean	mode	</a:t>
+            </a:r>
+            <a:r>
+              <a:rPr lang="en-US" sz="800" dirty="0" err="1"/>
+              <a:t>var</a:t>
+            </a:r>
+            <a:r>
+              <a:rPr lang="en-US" sz="800" dirty="0"/>
+              <a:t>	</a:t>
+            </a:r>
+            <a:r>
+              <a:rPr lang="en-US" sz="800" dirty="0" err="1"/>
+              <a:t>std</a:t>
+            </a:r>
+            <a:r>
+              <a:rPr lang="en-US" sz="800" dirty="0"/>
+              <a:t>	cv</a:t>
+            </a:r>
+          </a:p>
+          <a:p>
+            <a:r>
+              <a:rPr lang="en-US" sz="800" dirty="0"/>
+              <a:t>All </a:t>
+            </a:r>
+            <a:r>
+              <a:rPr lang="en-US" sz="800" dirty="0" err="1"/>
+              <a:t>Yrs</a:t>
+            </a:r>
+            <a:r>
+              <a:rPr lang="en-US" sz="800" dirty="0"/>
+              <a:t>	201216	12.49	13.00	9.13	3.02	0.2419</a:t>
+            </a:r>
+          </a:p>
+          <a:p>
+            <a:r>
+              <a:rPr lang="en-US" sz="800" dirty="0"/>
+              <a:t>2021	23964	12.71	12.00	7.68	2.77	0.2181</a:t>
+            </a:r>
+          </a:p>
+          <a:p>
+            <a:r>
+              <a:rPr lang="en-US" sz="800" dirty="0"/>
+              <a:t>2022	48668	12.57	12.00	9.06	3.01	0.2395</a:t>
+            </a:r>
+          </a:p>
+          <a:p>
+            <a:r>
+              <a:rPr lang="en-US" sz="800" dirty="0"/>
+              <a:t>2023	51409	12.46	12.00	9.36	3.06	0.2456</a:t>
+            </a:r>
+          </a:p>
+          <a:p>
+            <a:r>
+              <a:rPr lang="en-US" sz="800" dirty="0"/>
+              <a:t>2024	51480	12.38	13.00	9.32	3.05	0.2466</a:t>
+            </a:r>
+          </a:p>
+          <a:p>
+            <a:endParaRPr lang="en-US" sz="800" dirty="0" smtClean="0"/>
+          </a:p>
+          <a:p>
+            <a:r>
+              <a:rPr lang="en-US" sz="800" dirty="0" smtClean="0"/>
+              <a:t>Skew</a:t>
+            </a:r>
+            <a:r>
+              <a:rPr lang="en-US" sz="800" dirty="0"/>
+              <a:t>:  -0.1280</a:t>
+            </a:r>
+            <a:endParaRPr lang="en-US" sz="800" dirty="0"/>
+          </a:p>
+        </p:txBody>
+      </p:sp>
+      <p:sp>
+        <p:nvSpPr>
+          <p:cNvPr id="6" name="TextBox 5"/>
+          <p:cNvSpPr txBox="1"/>
+          <p:nvPr/>
+        </p:nvSpPr>
+        <p:spPr>
+          <a:xfrm>
+            <a:off x="5029200" y="76200"/>
+            <a:ext cx="2837636" cy="369332"/>
+          </a:xfrm>
+          <a:prstGeom prst="rect">
+            <a:avLst/>
+          </a:prstGeom>
+          <a:noFill/>
+        </p:spPr>
+        <p:txBody>
+          <a:bodyPr wrap="none" rtlCol="0">
+            <a:spAutoFit/>
+          </a:bodyPr>
+          <a:lstStyle/>
+          <a:p>
+            <a:r>
+              <a:rPr lang="en-US" b="1" dirty="0" smtClean="0"/>
+              <a:t>The Pursuit of Happiness</a:t>
+            </a:r>
+            <a:endParaRPr lang="en-US" b="1" dirty="0"/>
+          </a:p>
+        </p:txBody>
+      </p:sp>
       <p:pic>
         <p:nvPicPr>
-          <p:cNvPr id="3074" name="Picture 2"/>
+          <p:cNvPr id="7" name="Picture 2"/>
           <p:cNvPicPr>
             <a:picLocks noGrp="1" noChangeAspect="1" noChangeArrowheads="1"/>
           </p:cNvPicPr>
@@ -17495,8 +18568,8 @@
         </p:blipFill>
         <p:spPr bwMode="auto">
           <a:xfrm>
-            <a:off x="914400" y="2286001"/>
-            <a:ext cx="4889331" cy="2667000"/>
+            <a:off x="937930" y="2209801"/>
+            <a:ext cx="4943278" cy="2819400"/>
           </a:xfrm>
           <a:prstGeom prst="rect">
             <a:avLst/>
@@ -17526,150 +18599,6 @@
           </a:extLst>
         </p:spPr>
       </p:pic>
-      <p:sp>
-        <p:nvSpPr>
-          <p:cNvPr id="4" name="TextBox 3"/>
-          <p:cNvSpPr txBox="1"/>
-          <p:nvPr/>
-        </p:nvSpPr>
-        <p:spPr>
-          <a:xfrm>
-            <a:off x="5867400" y="2438400"/>
-            <a:ext cx="2514600" cy="1477328"/>
-          </a:xfrm>
-          <a:prstGeom prst="rect">
-            <a:avLst/>
-          </a:prstGeom>
-          <a:noFill/>
-        </p:spPr>
-        <p:txBody>
-          <a:bodyPr wrap="square" rtlCol="0">
-            <a:spAutoFit/>
-          </a:bodyPr>
-          <a:lstStyle/>
-          <a:p>
-            <a:r>
-              <a:rPr lang="en-US" dirty="0" smtClean="0"/>
-              <a:t>Answers to wealth-correlated questions produce a nearly perfect normal distribution</a:t>
-            </a:r>
-            <a:endParaRPr lang="en-US" dirty="0"/>
-          </a:p>
-        </p:txBody>
-      </p:sp>
-      <p:sp>
-        <p:nvSpPr>
-          <p:cNvPr id="5" name="TextBox 4"/>
-          <p:cNvSpPr txBox="1"/>
-          <p:nvPr/>
-        </p:nvSpPr>
-        <p:spPr>
-          <a:xfrm>
-            <a:off x="1524000" y="5086478"/>
-            <a:ext cx="6034024" cy="830997"/>
-          </a:xfrm>
-          <a:prstGeom prst="rect">
-            <a:avLst/>
-          </a:prstGeom>
-          <a:noFill/>
-        </p:spPr>
-        <p:txBody>
-          <a:bodyPr wrap="none" rtlCol="0">
-            <a:spAutoFit/>
-          </a:bodyPr>
-          <a:lstStyle/>
-          <a:p>
-            <a:r>
-              <a:rPr lang="en-US" sz="800" dirty="0" smtClean="0"/>
-              <a:t>key	n	mean	mode	</a:t>
-            </a:r>
-            <a:r>
-              <a:rPr lang="en-US" sz="800" dirty="0" err="1" smtClean="0"/>
-              <a:t>var</a:t>
-            </a:r>
-            <a:r>
-              <a:rPr lang="en-US" sz="800" dirty="0" smtClean="0"/>
-              <a:t>	</a:t>
-            </a:r>
-            <a:r>
-              <a:rPr lang="en-US" sz="800" dirty="0" err="1" smtClean="0"/>
-              <a:t>std</a:t>
-            </a:r>
-            <a:r>
-              <a:rPr lang="en-US" sz="800" dirty="0" smtClean="0"/>
-              <a:t>	cv</a:t>
-            </a:r>
-          </a:p>
-          <a:p>
-            <a:r>
-              <a:rPr lang="en-US" sz="800" dirty="0" smtClean="0"/>
-              <a:t>All </a:t>
-            </a:r>
-            <a:r>
-              <a:rPr lang="en-US" sz="800" dirty="0" err="1" smtClean="0"/>
-              <a:t>Yrs</a:t>
-            </a:r>
-            <a:r>
-              <a:rPr lang="en-US" sz="800" dirty="0" smtClean="0"/>
-              <a:t>	201216	7.72	8.00	3.77	1.94	0.2513</a:t>
-            </a:r>
-          </a:p>
-          <a:p>
-            <a:r>
-              <a:rPr lang="en-US" sz="800" dirty="0" smtClean="0"/>
-              <a:t>2021	23964	7.86	8.00	2.99	1.73	0.2201</a:t>
-            </a:r>
-          </a:p>
-          <a:p>
-            <a:r>
-              <a:rPr lang="en-US" sz="800" dirty="0" smtClean="0"/>
-              <a:t>2022	48668	7.78	8.00	3.73	1.93	0.2485</a:t>
-            </a:r>
-          </a:p>
-          <a:p>
-            <a:r>
-              <a:rPr lang="en-US" sz="800" dirty="0" smtClean="0"/>
-              <a:t>2023	51409	7.68	8.00	3.94	1.98	0.2585</a:t>
-            </a:r>
-          </a:p>
-          <a:p>
-            <a:r>
-              <a:rPr lang="en-US" sz="800" dirty="0" smtClean="0"/>
-              <a:t>2024	51480	7.64	8.00	3.85	1.96	0.2566</a:t>
-            </a:r>
-            <a:endParaRPr lang="en-US" sz="800" dirty="0"/>
-          </a:p>
-        </p:txBody>
-      </p:sp>
-      <p:sp>
-        <p:nvSpPr>
-          <p:cNvPr id="6" name="TextBox 5"/>
-          <p:cNvSpPr txBox="1"/>
-          <p:nvPr/>
-        </p:nvSpPr>
-        <p:spPr>
-          <a:xfrm>
-            <a:off x="5029200" y="76200"/>
-            <a:ext cx="2837636" cy="369332"/>
-          </a:xfrm>
-          <a:prstGeom prst="rect">
-            <a:avLst/>
-          </a:prstGeom>
-          <a:noFill/>
-        </p:spPr>
-        <p:txBody>
-          <a:bodyPr wrap="none" rtlCol="0">
-            <a:spAutoFit/>
-          </a:bodyPr>
-          <a:lstStyle/>
-          <a:p>
-            <a:r>
-              <a:rPr lang="en-US" b="1" dirty="0" smtClean="0"/>
-              <a:t>The Pursuit of Happiness</a:t>
-            </a:r>
-            <a:endParaRPr lang="en-US" b="1" dirty="0"/>
-          </a:p>
-        </p:txBody>
-      </p:sp>
     </p:spTree>
     <p:extLst>
       <p:ext uri="{BB962C8B-B14F-4D97-AF65-F5344CB8AC3E}">
@@ -17723,9 +18652,176 @@
           </a:p>
         </p:txBody>
       </p:sp>
+      <p:sp>
+        <p:nvSpPr>
+          <p:cNvPr id="5" name="TextBox 4"/>
+          <p:cNvSpPr txBox="1"/>
+          <p:nvPr/>
+        </p:nvSpPr>
+        <p:spPr>
+          <a:xfrm>
+            <a:off x="5715000" y="2438399"/>
+            <a:ext cx="2514600" cy="2031325"/>
+          </a:xfrm>
+          <a:prstGeom prst="rect">
+            <a:avLst/>
+          </a:prstGeom>
+          <a:noFill/>
+        </p:spPr>
+        <p:txBody>
+          <a:bodyPr wrap="square" rtlCol="0">
+            <a:spAutoFit/>
+          </a:bodyPr>
+          <a:lstStyle/>
+          <a:p>
+            <a:r>
+              <a:rPr lang="en-US" dirty="0" smtClean="0"/>
+              <a:t>The mode of love-correlated questions</a:t>
+            </a:r>
+          </a:p>
+          <a:p>
+            <a:r>
+              <a:rPr lang="en-US" dirty="0" smtClean="0"/>
+              <a:t>is higher than the others, but </a:t>
+            </a:r>
+            <a:r>
+              <a:rPr lang="en-US" dirty="0" smtClean="0"/>
+              <a:t>with a more negative skew, more people report less love in their lives.</a:t>
+            </a:r>
+            <a:endParaRPr lang="en-US" dirty="0"/>
+          </a:p>
+        </p:txBody>
+      </p:sp>
+      <p:sp>
+        <p:nvSpPr>
+          <p:cNvPr id="6" name="TextBox 5"/>
+          <p:cNvSpPr txBox="1"/>
+          <p:nvPr/>
+        </p:nvSpPr>
+        <p:spPr>
+          <a:xfrm>
+            <a:off x="1524000" y="4876800"/>
+            <a:ext cx="6077305" cy="1200329"/>
+          </a:xfrm>
+          <a:prstGeom prst="rect">
+            <a:avLst/>
+          </a:prstGeom>
+          <a:noFill/>
+        </p:spPr>
+        <p:txBody>
+          <a:bodyPr wrap="none" rtlCol="0">
+            <a:spAutoFit/>
+          </a:bodyPr>
+          <a:lstStyle/>
+          <a:p>
+            <a:r>
+              <a:rPr lang="en-US" sz="900" dirty="0"/>
+              <a:t>key	n	mean	mode	</a:t>
+            </a:r>
+            <a:r>
+              <a:rPr lang="en-US" sz="900" dirty="0" err="1"/>
+              <a:t>var</a:t>
+            </a:r>
+            <a:r>
+              <a:rPr lang="en-US" sz="900" dirty="0"/>
+              <a:t>	</a:t>
+            </a:r>
+            <a:r>
+              <a:rPr lang="en-US" sz="900" dirty="0" err="1"/>
+              <a:t>std</a:t>
+            </a:r>
+            <a:r>
+              <a:rPr lang="en-US" sz="900" dirty="0"/>
+              <a:t>	cv</a:t>
+            </a:r>
+          </a:p>
+          <a:p>
+            <a:r>
+              <a:rPr lang="en-US" sz="900" dirty="0"/>
+              <a:t>All </a:t>
+            </a:r>
+            <a:r>
+              <a:rPr lang="en-US" sz="900" dirty="0" err="1"/>
+              <a:t>Yrs</a:t>
+            </a:r>
+            <a:r>
+              <a:rPr lang="en-US" sz="900" dirty="0"/>
+              <a:t>	201216	13.79	15.00	7.49	2.74	0.1984</a:t>
+            </a:r>
+          </a:p>
+          <a:p>
+            <a:r>
+              <a:rPr lang="en-US" sz="900" dirty="0"/>
+              <a:t>2021	23964	13.85	15.00	6.53	2.56	0.1845</a:t>
+            </a:r>
+          </a:p>
+          <a:p>
+            <a:r>
+              <a:rPr lang="en-US" sz="900" dirty="0"/>
+              <a:t>2022	48668	13.80	15.00	7.34	2.71	0.1962</a:t>
+            </a:r>
+          </a:p>
+          <a:p>
+            <a:r>
+              <a:rPr lang="en-US" sz="900" dirty="0"/>
+              <a:t>2023	51409	13.77	15.00	7.74	2.78	0.2020</a:t>
+            </a:r>
+          </a:p>
+          <a:p>
+            <a:r>
+              <a:rPr lang="en-US" sz="900" dirty="0"/>
+              <a:t>2024	51480	13.79	15.00	7.63	2.76	0.2004</a:t>
+            </a:r>
+          </a:p>
+          <a:p>
+            <a:endParaRPr lang="en-US" sz="900" dirty="0" smtClean="0"/>
+          </a:p>
+          <a:p>
+            <a:r>
+              <a:rPr lang="en-US" sz="900" dirty="0" smtClean="0"/>
+              <a:t>Skew</a:t>
+            </a:r>
+            <a:r>
+              <a:rPr lang="en-US" sz="900" dirty="0"/>
+              <a:t>:  -0.2626</a:t>
+            </a:r>
+            <a:endParaRPr lang="en-US" sz="900" dirty="0"/>
+          </a:p>
+        </p:txBody>
+      </p:sp>
+      <p:sp>
+        <p:nvSpPr>
+          <p:cNvPr id="7" name="TextBox 6"/>
+          <p:cNvSpPr txBox="1"/>
+          <p:nvPr/>
+        </p:nvSpPr>
+        <p:spPr>
+          <a:xfrm>
+            <a:off x="5029200" y="76200"/>
+            <a:ext cx="2837636" cy="369332"/>
+          </a:xfrm>
+          <a:prstGeom prst="rect">
+            <a:avLst/>
+          </a:prstGeom>
+          <a:noFill/>
+        </p:spPr>
+        <p:txBody>
+          <a:bodyPr wrap="none" rtlCol="0">
+            <a:spAutoFit/>
+          </a:bodyPr>
+          <a:lstStyle/>
+          <a:p>
+            <a:r>
+              <a:rPr lang="en-US" b="1" dirty="0" smtClean="0"/>
+              <a:t>The Pursuit of Happiness</a:t>
+            </a:r>
+            <a:endParaRPr lang="en-US" b="1" dirty="0"/>
+          </a:p>
+        </p:txBody>
+      </p:sp>
       <p:pic>
         <p:nvPicPr>
-          <p:cNvPr id="4098" name="Picture 2"/>
+          <p:cNvPr id="4" name="Picture 2"/>
           <p:cNvPicPr>
             <a:picLocks noGrp="1" noChangeAspect="1" noChangeArrowheads="1"/>
           </p:cNvPicPr>
@@ -17748,8 +18844,8 @@
         </p:blipFill>
         <p:spPr bwMode="auto">
           <a:xfrm>
-            <a:off x="914400" y="2286001"/>
-            <a:ext cx="4796259" cy="2514600"/>
+            <a:off x="1143000" y="2286000"/>
+            <a:ext cx="4419600" cy="2576163"/>
           </a:xfrm>
           <a:prstGeom prst="rect">
             <a:avLst/>
@@ -17779,156 +18875,6 @@
           </a:extLst>
         </p:spPr>
       </p:pic>
-      <p:sp>
-        <p:nvSpPr>
-          <p:cNvPr id="5" name="TextBox 4"/>
-          <p:cNvSpPr txBox="1"/>
-          <p:nvPr/>
-        </p:nvSpPr>
-        <p:spPr>
-          <a:xfrm>
-            <a:off x="5867400" y="2438400"/>
-            <a:ext cx="2514600" cy="2031325"/>
-          </a:xfrm>
-          <a:prstGeom prst="rect">
-            <a:avLst/>
-          </a:prstGeom>
-          <a:noFill/>
-        </p:spPr>
-        <p:txBody>
-          <a:bodyPr wrap="square" rtlCol="0">
-            <a:spAutoFit/>
-          </a:bodyPr>
-          <a:lstStyle/>
-          <a:p>
-            <a:r>
-              <a:rPr lang="en-US" dirty="0" smtClean="0"/>
-              <a:t>The mode of love-correlated questions</a:t>
-            </a:r>
-          </a:p>
-          <a:p>
-            <a:r>
-              <a:rPr lang="en-US" dirty="0" smtClean="0"/>
-              <a:t>is higher than the others, but there are fewer people at the high end, so the median is lower</a:t>
-            </a:r>
-            <a:endParaRPr lang="en-US" dirty="0"/>
-          </a:p>
-        </p:txBody>
-      </p:sp>
-      <p:sp>
-        <p:nvSpPr>
-          <p:cNvPr id="6" name="TextBox 5"/>
-          <p:cNvSpPr txBox="1"/>
-          <p:nvPr/>
-        </p:nvSpPr>
-        <p:spPr>
-          <a:xfrm>
-            <a:off x="1524000" y="4876800"/>
-            <a:ext cx="6077305" cy="923330"/>
-          </a:xfrm>
-          <a:prstGeom prst="rect">
-            <a:avLst/>
-          </a:prstGeom>
-          <a:noFill/>
-        </p:spPr>
-        <p:txBody>
-          <a:bodyPr wrap="none" rtlCol="0">
-            <a:spAutoFit/>
-          </a:bodyPr>
-          <a:lstStyle/>
-          <a:p>
-            <a:r>
-              <a:rPr lang="en-US" sz="900" dirty="0" smtClean="0"/>
-              <a:t>key	n	mean	mode	</a:t>
-            </a:r>
-            <a:r>
-              <a:rPr lang="en-US" sz="900" dirty="0" err="1" smtClean="0"/>
-              <a:t>var</a:t>
-            </a:r>
-            <a:r>
-              <a:rPr lang="en-US" sz="900" dirty="0" smtClean="0"/>
-              <a:t>	</a:t>
-            </a:r>
-            <a:r>
-              <a:rPr lang="en-US" sz="900" dirty="0" err="1" smtClean="0"/>
-              <a:t>std</a:t>
-            </a:r>
-            <a:r>
-              <a:rPr lang="en-US" sz="900" dirty="0" smtClean="0"/>
-              <a:t>	cv</a:t>
-            </a:r>
-          </a:p>
-          <a:p>
-            <a:r>
-              <a:rPr lang="en-US" sz="900" dirty="0" smtClean="0"/>
-              <a:t>All </a:t>
-            </a:r>
-            <a:r>
-              <a:rPr lang="en-US" sz="900" dirty="0" err="1" smtClean="0"/>
-              <a:t>Yrs</a:t>
-            </a:r>
-            <a:r>
-              <a:rPr lang="en-US" sz="900" dirty="0" smtClean="0"/>
-              <a:t>	201216	8.45	9.00	3.30	1.82	0.2152</a:t>
-            </a:r>
-          </a:p>
-          <a:p>
-            <a:r>
-              <a:rPr lang="en-US" sz="900" dirty="0" smtClean="0"/>
-              <a:t>2021	23964	8.47	9.00	3.13	1.77	0.2089</a:t>
-            </a:r>
-          </a:p>
-          <a:p>
-            <a:r>
-              <a:rPr lang="en-US" sz="900" dirty="0" smtClean="0"/>
-              <a:t>2022	48668	8.48	9.00	3.22	1.80	0.2117</a:t>
-            </a:r>
-          </a:p>
-          <a:p>
-            <a:r>
-              <a:rPr lang="en-US" sz="900" dirty="0" smtClean="0"/>
-              <a:t>2023	51409	8.44	9.00	3.37	1.84	0.2175</a:t>
-            </a:r>
-          </a:p>
-          <a:p>
-            <a:r>
-              <a:rPr lang="en-US" sz="900" dirty="0" smtClean="0"/>
-              <a:t>2024	51480	8.42	9.00	3.34	1.83	0.2169</a:t>
-            </a:r>
-            <a:endParaRPr lang="en-US" sz="900" dirty="0"/>
-          </a:p>
-        </p:txBody>
-      </p:sp>
-      <p:sp>
-        <p:nvSpPr>
-          <p:cNvPr id="7" name="TextBox 6"/>
-          <p:cNvSpPr txBox="1"/>
-          <p:nvPr/>
-        </p:nvSpPr>
-        <p:spPr>
-          <a:xfrm>
-            <a:off x="5029200" y="76200"/>
-            <a:ext cx="2837636" cy="369332"/>
-          </a:xfrm>
-          <a:prstGeom prst="rect">
-            <a:avLst/>
-          </a:prstGeom>
-          <a:noFill/>
-        </p:spPr>
-        <p:txBody>
-          <a:bodyPr wrap="none" rtlCol="0">
-            <a:spAutoFit/>
-          </a:bodyPr>
-          <a:lstStyle/>
-          <a:p>
-            <a:r>
-              <a:rPr lang="en-US" b="1" dirty="0" smtClean="0"/>
-              <a:t>The Pursuit of Happiness</a:t>
-            </a:r>
-            <a:endParaRPr lang="en-US" b="1" dirty="0"/>
-          </a:p>
-        </p:txBody>
-      </p:sp>
     </p:spTree>
     <p:extLst>
       <p:ext uri="{BB962C8B-B14F-4D97-AF65-F5344CB8AC3E}">
